--- a/Media Files/FINAL PROJECT - DATA SCIENCE.pptx
+++ b/Media Files/FINAL PROJECT - DATA SCIENCE.pptx
@@ -23,16 +23,17 @@
     <p:sldId id="268" r:id="rId18"/>
     <p:sldId id="269" r:id="rId19"/>
     <p:sldId id="270" r:id="rId20"/>
+    <p:sldId id="271" r:id="rId21"/>
   </p:sldIdLst>
   <p:sldSz cy="5143500" cx="9144000"/>
   <p:notesSz cx="6858000" cy="9144000"/>
   <p:embeddedFontLst>
     <p:embeddedFont>
       <p:font typeface="Source Sans Pro"/>
-      <p:regular r:id="rId21"/>
-      <p:bold r:id="rId22"/>
-      <p:italic r:id="rId23"/>
-      <p:boldItalic r:id="rId24"/>
+      <p:regular r:id="rId22"/>
+      <p:bold r:id="rId23"/>
+      <p:italic r:id="rId24"/>
+      <p:boldItalic r:id="rId25"/>
     </p:embeddedFont>
   </p:embeddedFontLst>
   <p:defaultTextStyle>
@@ -1223,7 +1224,7 @@
       </p:grpSpPr>
       <p:sp>
         <p:nvSpPr>
-          <p:cNvPr id="146" name="Google Shape;146;g11b17b5bbc4_0_6:notes"/>
+          <p:cNvPr id="146" name="Google Shape;146;g11b17b5bbc4_0_25:notes"/>
           <p:cNvSpPr/>
           <p:nvPr>
             <p:ph idx="2" type="sldImg"/>
@@ -1258,7 +1259,7 @@
       </p:sp>
       <p:sp>
         <p:nvSpPr>
-          <p:cNvPr id="147" name="Google Shape;147;g11b17b5bbc4_0_6:notes"/>
+          <p:cNvPr id="147" name="Google Shape;147;g11b17b5bbc4_0_25:notes"/>
           <p:cNvSpPr txBox="1"/>
           <p:nvPr>
             <p:ph idx="1" type="body"/>
@@ -1308,7 +1309,7 @@
   <p:cSld>
     <p:spTree>
       <p:nvGrpSpPr>
-        <p:cNvPr id="155" name="Shape 155"/>
+        <p:cNvPr id="153" name="Shape 153"/>
         <p:cNvGrpSpPr/>
         <p:nvPr/>
       </p:nvGrpSpPr>
@@ -1322,7 +1323,7 @@
       </p:grpSpPr>
       <p:sp>
         <p:nvSpPr>
-          <p:cNvPr id="156" name="Google Shape;156;g11b17b5bbc4_0_0:notes"/>
+          <p:cNvPr id="154" name="Google Shape;154;g11b17b5bbc4_0_6:notes"/>
           <p:cNvSpPr/>
           <p:nvPr>
             <p:ph idx="2" type="sldImg"/>
@@ -1357,7 +1358,106 @@
       </p:sp>
       <p:sp>
         <p:nvSpPr>
-          <p:cNvPr id="157" name="Google Shape;157;g11b17b5bbc4_0_0:notes"/>
+          <p:cNvPr id="155" name="Google Shape;155;g11b17b5bbc4_0_6:notes"/>
+          <p:cNvSpPr txBox="1"/>
+          <p:nvPr>
+            <p:ph idx="1" type="body"/>
+          </p:nvPr>
+        </p:nvSpPr>
+        <p:spPr>
+          <a:xfrm>
+            <a:off x="685800" y="4343400"/>
+            <a:ext cx="5486400" cy="4114800"/>
+          </a:xfrm>
+          <a:prstGeom prst="rect">
+            <a:avLst/>
+          </a:prstGeom>
+        </p:spPr>
+        <p:txBody>
+          <a:bodyPr anchorCtr="0" anchor="t" bIns="91425" lIns="91425" spcFirstLastPara="1" rIns="91425" wrap="square" tIns="91425">
+            <a:noAutofit/>
+          </a:bodyPr>
+          <a:lstStyle/>
+          <a:p>
+            <a:pPr indent="0" lvl="0" marL="0" rtl="0" algn="l">
+              <a:spcBef>
+                <a:spcPts val="0"/>
+              </a:spcBef>
+              <a:spcAft>
+                <a:spcPts val="0"/>
+              </a:spcAft>
+              <a:buNone/>
+            </a:pPr>
+            <a:r>
+              <a:t/>
+            </a:r>
+            <a:endParaRPr/>
+          </a:p>
+        </p:txBody>
+      </p:sp>
+    </p:spTree>
+  </p:cSld>
+  <p:clrMapOvr>
+    <a:masterClrMapping/>
+  </p:clrMapOvr>
+</p:notes>
+</file>
+
+<file path=ppt/notesSlides/notesSlide16.xml><?xml version="1.0" encoding="utf-8"?>
+<p:notes xmlns:a="http://schemas.openxmlformats.org/drawingml/2006/main" xmlns:r="http://schemas.openxmlformats.org/officeDocument/2006/relationships" xmlns:mc="http://schemas.openxmlformats.org/markup-compatibility/2006" xmlns:mv="urn:schemas-microsoft-com:mac:vml" xmlns:p="http://schemas.openxmlformats.org/presentationml/2006/main" xmlns:c="http://schemas.openxmlformats.org/drawingml/2006/chart" xmlns:dgm="http://schemas.openxmlformats.org/drawingml/2006/diagram" xmlns:o="urn:schemas-microsoft-com:office:office" xmlns:v="urn:schemas-microsoft-com:vml" xmlns:pvml="urn:schemas-microsoft-com:office:powerpoint" xmlns:com="http://schemas.openxmlformats.org/drawingml/2006/compatibility" xmlns:p14="http://schemas.microsoft.com/office/powerpoint/2010/main" xmlns:p15="http://schemas.microsoft.com/office/powerpoint/2012/main" xmlns:ahyp="http://schemas.microsoft.com/office/drawing/2018/hyperlinkcolor" showMasterPhAnim="0" showMasterSp="0">
+  <p:cSld>
+    <p:spTree>
+      <p:nvGrpSpPr>
+        <p:cNvPr id="163" name="Shape 163"/>
+        <p:cNvGrpSpPr/>
+        <p:nvPr/>
+      </p:nvGrpSpPr>
+      <p:grpSpPr>
+        <a:xfrm>
+          <a:off x="0" y="0"/>
+          <a:ext cx="0" cy="0"/>
+          <a:chOff x="0" y="0"/>
+          <a:chExt cx="0" cy="0"/>
+        </a:xfrm>
+      </p:grpSpPr>
+      <p:sp>
+        <p:nvSpPr>
+          <p:cNvPr id="164" name="Google Shape;164;g11b17b5bbc4_0_35:notes"/>
+          <p:cNvSpPr/>
+          <p:nvPr>
+            <p:ph idx="2" type="sldImg"/>
+          </p:nvPr>
+        </p:nvSpPr>
+        <p:spPr>
+          <a:xfrm>
+            <a:off x="381300" y="685800"/>
+            <a:ext cx="6096000" cy="3429000"/>
+          </a:xfrm>
+          <a:custGeom>
+            <a:rect b="b" l="l" r="r" t="t"/>
+            <a:pathLst>
+              <a:path extrusionOk="0" h="120000" w="120000">
+                <a:moveTo>
+                  <a:pt x="0" y="0"/>
+                </a:moveTo>
+                <a:lnTo>
+                  <a:pt x="120000" y="0"/>
+                </a:lnTo>
+                <a:lnTo>
+                  <a:pt x="120000" y="120000"/>
+                </a:lnTo>
+                <a:lnTo>
+                  <a:pt x="0" y="120000"/>
+                </a:lnTo>
+                <a:close/>
+              </a:path>
+            </a:pathLst>
+          </a:custGeom>
+        </p:spPr>
+      </p:sp>
+      <p:sp>
+        <p:nvSpPr>
+          <p:cNvPr id="165" name="Google Shape;165;g11b17b5bbc4_0_35:notes"/>
           <p:cNvSpPr txBox="1"/>
           <p:nvPr>
             <p:ph idx="1" type="body"/>
@@ -7247,7 +7347,7 @@
         <p:spPr>
           <a:xfrm>
             <a:off x="134775" y="127275"/>
-            <a:ext cx="1459800" cy="4571400"/>
+            <a:ext cx="1459800" cy="4802400"/>
           </a:xfrm>
           <a:prstGeom prst="rect">
             <a:avLst/>
@@ -7282,7 +7382,7 @@
                 <a:cs typeface="Source Sans Pro"/>
                 <a:sym typeface="Source Sans Pro"/>
               </a:rPr>
-              <a:t>Amount of Hate Crimes by Target per State per 100K</a:t>
+              <a:t>Amount of Hate Crimes by Type per State per 100K</a:t>
             </a:r>
             <a:endParaRPr sz="1500">
               <a:solidFill>
@@ -7361,6 +7461,29 @@
                 <a:sym typeface="Source Sans Pro"/>
               </a:rPr>
               <a:t>Controlled for variation between state populations.</a:t>
+            </a:r>
+            <a:endParaRPr sz="1500">
+              <a:solidFill>
+                <a:schemeClr val="dk1"/>
+              </a:solidFill>
+              <a:latin typeface="Source Sans Pro"/>
+              <a:ea typeface="Source Sans Pro"/>
+              <a:cs typeface="Source Sans Pro"/>
+              <a:sym typeface="Source Sans Pro"/>
+            </a:endParaRPr>
+          </a:p>
+          <a:p>
+            <a:pPr indent="0" lvl="0" marL="0" rtl="0" algn="ctr">
+              <a:spcBef>
+                <a:spcPts val="0"/>
+              </a:spcBef>
+              <a:spcAft>
+                <a:spcPts val="0"/>
+              </a:spcAft>
+              <a:buNone/>
+            </a:pPr>
+            <a:r>
+              <a:t/>
             </a:r>
             <a:endParaRPr sz="1500">
               <a:solidFill>
@@ -7540,8 +7663,8 @@
         </p:blipFill>
         <p:spPr>
           <a:xfrm>
-            <a:off x="1731505" y="97325"/>
-            <a:ext cx="7371146" cy="4948799"/>
+            <a:off x="1754425" y="97325"/>
+            <a:ext cx="7309451" cy="4907376"/>
           </a:xfrm>
           <a:prstGeom prst="rect">
             <a:avLst/>
@@ -9092,7 +9215,7 @@
         <p:spPr>
           <a:xfrm>
             <a:off x="134775" y="127275"/>
-            <a:ext cx="1459800" cy="4802400"/>
+            <a:ext cx="1459800" cy="3879000"/>
           </a:xfrm>
           <a:prstGeom prst="rect">
             <a:avLst/>
@@ -9205,6 +9328,29 @@
               <a:buNone/>
             </a:pPr>
             <a:r>
+              <a:t/>
+            </a:r>
+            <a:endParaRPr sz="1500">
+              <a:solidFill>
+                <a:schemeClr val="dk1"/>
+              </a:solidFill>
+              <a:latin typeface="Source Sans Pro"/>
+              <a:ea typeface="Source Sans Pro"/>
+              <a:cs typeface="Source Sans Pro"/>
+              <a:sym typeface="Source Sans Pro"/>
+            </a:endParaRPr>
+          </a:p>
+          <a:p>
+            <a:pPr indent="0" lvl="0" marL="0" rtl="0" algn="ctr">
+              <a:spcBef>
+                <a:spcPts val="0"/>
+              </a:spcBef>
+              <a:spcAft>
+                <a:spcPts val="0"/>
+              </a:spcAft>
+              <a:buNone/>
+            </a:pPr>
+            <a:r>
               <a:rPr lang="en" sz="1500">
                 <a:solidFill>
                   <a:schemeClr val="dk1"/>
@@ -9270,38 +9416,6 @@
             </a:pPr>
             <a:r>
               <a:t/>
-            </a:r>
-            <a:endParaRPr sz="1500">
-              <a:solidFill>
-                <a:schemeClr val="dk1"/>
-              </a:solidFill>
-              <a:latin typeface="Source Sans Pro"/>
-              <a:ea typeface="Source Sans Pro"/>
-              <a:cs typeface="Source Sans Pro"/>
-              <a:sym typeface="Source Sans Pro"/>
-            </a:endParaRPr>
-          </a:p>
-          <a:p>
-            <a:pPr indent="0" lvl="0" marL="0" rtl="0" algn="ctr">
-              <a:spcBef>
-                <a:spcPts val="0"/>
-              </a:spcBef>
-              <a:spcAft>
-                <a:spcPts val="0"/>
-              </a:spcAft>
-              <a:buNone/>
-            </a:pPr>
-            <a:r>
-              <a:rPr lang="en" sz="1500">
-                <a:solidFill>
-                  <a:schemeClr val="dk1"/>
-                </a:solidFill>
-                <a:latin typeface="Source Sans Pro"/>
-                <a:ea typeface="Source Sans Pro"/>
-                <a:cs typeface="Source Sans Pro"/>
-                <a:sym typeface="Source Sans Pro"/>
-              </a:rPr>
-              <a:t>Positive correlation. As DI rises, Total Crime rises as well.</a:t>
             </a:r>
             <a:endParaRPr sz="1500">
               <a:solidFill>
@@ -9370,35 +9484,8 @@
           <p:cNvPicPr preferRelativeResize="0"/>
           <p:nvPr/>
         </p:nvPicPr>
-        <p:blipFill rotWithShape="1">
+        <p:blipFill>
           <a:blip r:embed="rId4">
-            <a:alphaModFix/>
-          </a:blip>
-          <a:srcRect b="47303" l="5070" r="49578" t="5388"/>
-          <a:stretch/>
-        </p:blipFill>
-        <p:spPr>
-          <a:xfrm>
-            <a:off x="1759400" y="97325"/>
-            <a:ext cx="3241850" cy="2246424"/>
-          </a:xfrm>
-          <a:prstGeom prst="rect">
-            <a:avLst/>
-          </a:prstGeom>
-          <a:noFill/>
-          <a:ln>
-            <a:noFill/>
-          </a:ln>
-        </p:spPr>
-      </p:pic>
-      <p:pic>
-        <p:nvPicPr>
-          <p:cNvPr id="153" name="Google Shape;153;p26"/>
-          <p:cNvPicPr preferRelativeResize="0"/>
-          <p:nvPr/>
-        </p:nvPicPr>
-        <p:blipFill>
-          <a:blip r:embed="rId5">
             <a:alphaModFix/>
           </a:blip>
           <a:stretch>
@@ -9407,36 +9494,8 @@
         </p:blipFill>
         <p:spPr>
           <a:xfrm>
-            <a:off x="5768834" y="97325"/>
-            <a:ext cx="3292466" cy="2246425"/>
-          </a:xfrm>
-          <a:prstGeom prst="rect">
-            <a:avLst/>
-          </a:prstGeom>
-          <a:noFill/>
-          <a:ln>
-            <a:noFill/>
-          </a:ln>
-        </p:spPr>
-      </p:pic>
-      <p:pic>
-        <p:nvPicPr>
-          <p:cNvPr id="154" name="Google Shape;154;p26"/>
-          <p:cNvPicPr preferRelativeResize="0"/>
-          <p:nvPr/>
-        </p:nvPicPr>
-        <p:blipFill>
-          <a:blip r:embed="rId6">
-            <a:alphaModFix/>
-          </a:blip>
-          <a:stretch>
-            <a:fillRect/>
-          </a:stretch>
-        </p:blipFill>
-        <p:spPr>
-          <a:xfrm>
-            <a:off x="3354125" y="2343750"/>
-            <a:ext cx="4611799" cy="2702375"/>
+            <a:off x="1709325" y="236125"/>
+            <a:ext cx="7376049" cy="4322138"/>
           </a:xfrm>
           <a:prstGeom prst="rect">
             <a:avLst/>
@@ -9472,7 +9531,7 @@
     </p:bg>
     <p:spTree>
       <p:nvGrpSpPr>
-        <p:cNvPr id="158" name="Shape 158"/>
+        <p:cNvPr id="156" name="Shape 156"/>
         <p:cNvGrpSpPr/>
         <p:nvPr/>
       </p:nvGrpSpPr>
@@ -9486,7 +9545,382 @@
       </p:grpSpPr>
       <p:sp>
         <p:nvSpPr>
+          <p:cNvPr id="157" name="Google Shape;157;p27"/>
+          <p:cNvSpPr/>
+          <p:nvPr/>
+        </p:nvSpPr>
+        <p:spPr>
+          <a:xfrm>
+            <a:off x="82350" y="97325"/>
+            <a:ext cx="1549800" cy="4948800"/>
+          </a:xfrm>
+          <a:prstGeom prst="rect">
+            <a:avLst/>
+          </a:prstGeom>
+          <a:solidFill>
+            <a:schemeClr val="lt1"/>
+          </a:solidFill>
+          <a:ln cap="flat" cmpd="sng" w="9525">
+            <a:solidFill>
+              <a:schemeClr val="dk2"/>
+            </a:solidFill>
+            <a:prstDash val="solid"/>
+            <a:round/>
+            <a:headEnd len="sm" w="sm" type="none"/>
+            <a:tailEnd len="sm" w="sm" type="none"/>
+          </a:ln>
+        </p:spPr>
+        <p:txBody>
+          <a:bodyPr anchorCtr="0" anchor="ctr" bIns="91425" lIns="91425" spcFirstLastPara="1" rIns="91425" wrap="square" tIns="91425">
+            <a:noAutofit/>
+          </a:bodyPr>
+          <a:lstStyle/>
+          <a:p>
+            <a:pPr indent="0" lvl="0" marL="0" rtl="0" algn="l">
+              <a:spcBef>
+                <a:spcPts val="0"/>
+              </a:spcBef>
+              <a:spcAft>
+                <a:spcPts val="0"/>
+              </a:spcAft>
+              <a:buNone/>
+            </a:pPr>
+            <a:r>
+              <a:t/>
+            </a:r>
+            <a:endParaRPr/>
+          </a:p>
+        </p:txBody>
+      </p:sp>
+      <p:sp>
+        <p:nvSpPr>
+          <p:cNvPr id="158" name="Google Shape;158;p27"/>
+          <p:cNvSpPr txBox="1"/>
+          <p:nvPr/>
+        </p:nvSpPr>
+        <p:spPr>
+          <a:xfrm>
+            <a:off x="82350" y="66675"/>
+            <a:ext cx="1549800" cy="4802400"/>
+          </a:xfrm>
+          <a:prstGeom prst="rect">
+            <a:avLst/>
+          </a:prstGeom>
+          <a:noFill/>
+          <a:ln>
+            <a:noFill/>
+          </a:ln>
+        </p:spPr>
+        <p:txBody>
+          <a:bodyPr anchorCtr="0" anchor="t" bIns="91425" lIns="91425" spcFirstLastPara="1" rIns="91425" wrap="square" tIns="91425">
+            <a:spAutoFit/>
+          </a:bodyPr>
+          <a:lstStyle/>
+          <a:p>
+            <a:pPr indent="0" lvl="0" marL="0" rtl="0" algn="ctr">
+              <a:spcBef>
+                <a:spcPts val="0"/>
+              </a:spcBef>
+              <a:spcAft>
+                <a:spcPts val="0"/>
+              </a:spcAft>
+              <a:buNone/>
+            </a:pPr>
+            <a:r>
+              <a:rPr lang="en" sz="1500">
+                <a:solidFill>
+                  <a:schemeClr val="dk1"/>
+                </a:solidFill>
+                <a:latin typeface="Source Sans Pro"/>
+                <a:ea typeface="Source Sans Pro"/>
+                <a:cs typeface="Source Sans Pro"/>
+                <a:sym typeface="Source Sans Pro"/>
+              </a:rPr>
+              <a:t>In regression plots, a</a:t>
+            </a:r>
+            <a:r>
+              <a:rPr lang="en" sz="1500">
+                <a:solidFill>
+                  <a:schemeClr val="dk1"/>
+                </a:solidFill>
+                <a:latin typeface="Source Sans Pro"/>
+                <a:ea typeface="Source Sans Pro"/>
+                <a:cs typeface="Source Sans Pro"/>
+                <a:sym typeface="Source Sans Pro"/>
+              </a:rPr>
+              <a:t>ppears to be slight positive correlation. </a:t>
+            </a:r>
+            <a:endParaRPr sz="1500">
+              <a:solidFill>
+                <a:schemeClr val="dk1"/>
+              </a:solidFill>
+              <a:latin typeface="Source Sans Pro"/>
+              <a:ea typeface="Source Sans Pro"/>
+              <a:cs typeface="Source Sans Pro"/>
+              <a:sym typeface="Source Sans Pro"/>
+            </a:endParaRPr>
+          </a:p>
+          <a:p>
+            <a:pPr indent="0" lvl="0" marL="0" rtl="0" algn="ctr">
+              <a:spcBef>
+                <a:spcPts val="0"/>
+              </a:spcBef>
+              <a:spcAft>
+                <a:spcPts val="0"/>
+              </a:spcAft>
+              <a:buNone/>
+            </a:pPr>
+            <a:r>
+              <a:rPr lang="en" sz="1500">
+                <a:solidFill>
+                  <a:schemeClr val="dk1"/>
+                </a:solidFill>
+                <a:latin typeface="Source Sans Pro"/>
+                <a:ea typeface="Source Sans Pro"/>
+                <a:cs typeface="Source Sans Pro"/>
+                <a:sym typeface="Source Sans Pro"/>
+              </a:rPr>
+              <a:t>Suggests that as DI rises, Total Hate Crimes rise as well.</a:t>
+            </a:r>
+            <a:endParaRPr sz="1500">
+              <a:solidFill>
+                <a:schemeClr val="dk1"/>
+              </a:solidFill>
+              <a:latin typeface="Source Sans Pro"/>
+              <a:ea typeface="Source Sans Pro"/>
+              <a:cs typeface="Source Sans Pro"/>
+              <a:sym typeface="Source Sans Pro"/>
+            </a:endParaRPr>
+          </a:p>
+          <a:p>
+            <a:pPr indent="0" lvl="0" marL="0" rtl="0" algn="ctr">
+              <a:spcBef>
+                <a:spcPts val="0"/>
+              </a:spcBef>
+              <a:spcAft>
+                <a:spcPts val="0"/>
+              </a:spcAft>
+              <a:buNone/>
+            </a:pPr>
+            <a:r>
+              <a:t/>
+            </a:r>
+            <a:endParaRPr sz="1500">
+              <a:solidFill>
+                <a:schemeClr val="dk1"/>
+              </a:solidFill>
+              <a:latin typeface="Source Sans Pro"/>
+              <a:ea typeface="Source Sans Pro"/>
+              <a:cs typeface="Source Sans Pro"/>
+              <a:sym typeface="Source Sans Pro"/>
+            </a:endParaRPr>
+          </a:p>
+          <a:p>
+            <a:pPr indent="0" lvl="0" marL="0" rtl="0" algn="ctr">
+              <a:spcBef>
+                <a:spcPts val="0"/>
+              </a:spcBef>
+              <a:spcAft>
+                <a:spcPts val="0"/>
+              </a:spcAft>
+              <a:buNone/>
+            </a:pPr>
+            <a:r>
+              <a:rPr lang="en" sz="1500">
+                <a:solidFill>
+                  <a:schemeClr val="dk1"/>
+                </a:solidFill>
+                <a:latin typeface="Source Sans Pro"/>
+                <a:ea typeface="Source Sans Pro"/>
+                <a:cs typeface="Source Sans Pro"/>
+                <a:sym typeface="Source Sans Pro"/>
+              </a:rPr>
+              <a:t>In correlation matrix, low correlation between DI and Total Hate Crimes; also between DI and any type of crime. Negative correlation with Disability Crime.</a:t>
+            </a:r>
+            <a:endParaRPr sz="1500">
+              <a:solidFill>
+                <a:schemeClr val="dk1"/>
+              </a:solidFill>
+              <a:latin typeface="Source Sans Pro"/>
+              <a:ea typeface="Source Sans Pro"/>
+              <a:cs typeface="Source Sans Pro"/>
+              <a:sym typeface="Source Sans Pro"/>
+            </a:endParaRPr>
+          </a:p>
+        </p:txBody>
+      </p:sp>
+      <p:sp>
+        <p:nvSpPr>
           <p:cNvPr id="159" name="Google Shape;159;p27"/>
+          <p:cNvSpPr/>
+          <p:nvPr/>
+        </p:nvSpPr>
+        <p:spPr>
+          <a:xfrm>
+            <a:off x="1692050" y="66675"/>
+            <a:ext cx="7410600" cy="5024400"/>
+          </a:xfrm>
+          <a:prstGeom prst="rect">
+            <a:avLst/>
+          </a:prstGeom>
+          <a:solidFill>
+            <a:schemeClr val="dk1"/>
+          </a:solidFill>
+          <a:ln cap="flat" cmpd="sng" w="9525">
+            <a:solidFill>
+              <a:schemeClr val="dk2"/>
+            </a:solidFill>
+            <a:prstDash val="solid"/>
+            <a:round/>
+            <a:headEnd len="sm" w="sm" type="none"/>
+            <a:tailEnd len="sm" w="sm" type="none"/>
+          </a:ln>
+        </p:spPr>
+        <p:txBody>
+          <a:bodyPr anchorCtr="0" anchor="ctr" bIns="91425" lIns="91425" spcFirstLastPara="1" rIns="91425" wrap="square" tIns="91425">
+            <a:noAutofit/>
+          </a:bodyPr>
+          <a:lstStyle/>
+          <a:p>
+            <a:pPr indent="0" lvl="0" marL="0" rtl="0" algn="l">
+              <a:spcBef>
+                <a:spcPts val="0"/>
+              </a:spcBef>
+              <a:spcAft>
+                <a:spcPts val="0"/>
+              </a:spcAft>
+              <a:buNone/>
+            </a:pPr>
+            <a:r>
+              <a:t/>
+            </a:r>
+            <a:endParaRPr/>
+          </a:p>
+        </p:txBody>
+      </p:sp>
+      <p:pic>
+        <p:nvPicPr>
+          <p:cNvPr id="160" name="Google Shape;160;p27"/>
+          <p:cNvPicPr preferRelativeResize="0"/>
+          <p:nvPr/>
+        </p:nvPicPr>
+        <p:blipFill rotWithShape="1">
+          <a:blip r:embed="rId4">
+            <a:alphaModFix/>
+          </a:blip>
+          <a:srcRect b="47303" l="5070" r="49578" t="5388"/>
+          <a:stretch/>
+        </p:blipFill>
+        <p:spPr>
+          <a:xfrm>
+            <a:off x="1759400" y="97325"/>
+            <a:ext cx="3241850" cy="2246424"/>
+          </a:xfrm>
+          <a:prstGeom prst="rect">
+            <a:avLst/>
+          </a:prstGeom>
+          <a:noFill/>
+          <a:ln>
+            <a:noFill/>
+          </a:ln>
+        </p:spPr>
+      </p:pic>
+      <p:pic>
+        <p:nvPicPr>
+          <p:cNvPr id="161" name="Google Shape;161;p27"/>
+          <p:cNvPicPr preferRelativeResize="0"/>
+          <p:nvPr/>
+        </p:nvPicPr>
+        <p:blipFill>
+          <a:blip r:embed="rId5">
+            <a:alphaModFix/>
+          </a:blip>
+          <a:stretch>
+            <a:fillRect/>
+          </a:stretch>
+        </p:blipFill>
+        <p:spPr>
+          <a:xfrm>
+            <a:off x="5768834" y="97325"/>
+            <a:ext cx="3292466" cy="2246425"/>
+          </a:xfrm>
+          <a:prstGeom prst="rect">
+            <a:avLst/>
+          </a:prstGeom>
+          <a:noFill/>
+          <a:ln>
+            <a:noFill/>
+          </a:ln>
+        </p:spPr>
+      </p:pic>
+      <p:pic>
+        <p:nvPicPr>
+          <p:cNvPr id="162" name="Google Shape;162;p27"/>
+          <p:cNvPicPr preferRelativeResize="0"/>
+          <p:nvPr/>
+        </p:nvPicPr>
+        <p:blipFill>
+          <a:blip r:embed="rId6">
+            <a:alphaModFix/>
+          </a:blip>
+          <a:stretch>
+            <a:fillRect/>
+          </a:stretch>
+        </p:blipFill>
+        <p:spPr>
+          <a:xfrm>
+            <a:off x="3388175" y="2343750"/>
+            <a:ext cx="3453400" cy="2698925"/>
+          </a:xfrm>
+          <a:prstGeom prst="rect">
+            <a:avLst/>
+          </a:prstGeom>
+          <a:noFill/>
+          <a:ln>
+            <a:noFill/>
+          </a:ln>
+        </p:spPr>
+      </p:pic>
+    </p:spTree>
+  </p:cSld>
+  <p:clrMapOvr>
+    <a:masterClrMapping/>
+  </p:clrMapOvr>
+</p:sld>
+</file>
+
+<file path=ppt/slides/slide16.xml><?xml version="1.0" encoding="utf-8"?>
+<p:sld xmlns:a="http://schemas.openxmlformats.org/drawingml/2006/main" xmlns:r="http://schemas.openxmlformats.org/officeDocument/2006/relationships" xmlns:mc="http://schemas.openxmlformats.org/markup-compatibility/2006" xmlns:mv="urn:schemas-microsoft-com:mac:vml" xmlns:p="http://schemas.openxmlformats.org/presentationml/2006/main" xmlns:c="http://schemas.openxmlformats.org/drawingml/2006/chart" xmlns:dgm="http://schemas.openxmlformats.org/drawingml/2006/diagram" xmlns:o="urn:schemas-microsoft-com:office:office" xmlns:v="urn:schemas-microsoft-com:vml" xmlns:pvml="urn:schemas-microsoft-com:office:powerpoint" xmlns:com="http://schemas.openxmlformats.org/drawingml/2006/compatibility" xmlns:p14="http://schemas.microsoft.com/office/powerpoint/2010/main" xmlns:p15="http://schemas.microsoft.com/office/powerpoint/2012/main" xmlns:ahyp="http://schemas.microsoft.com/office/drawing/2018/hyperlinkcolor">
+  <p:cSld>
+    <p:bg>
+      <p:bgPr>
+        <a:blipFill>
+          <a:blip r:embed="rId3">
+            <a:alphaModFix/>
+          </a:blip>
+          <a:stretch>
+            <a:fillRect/>
+          </a:stretch>
+        </a:blipFill>
+      </p:bgPr>
+    </p:bg>
+    <p:spTree>
+      <p:nvGrpSpPr>
+        <p:cNvPr id="166" name="Shape 166"/>
+        <p:cNvGrpSpPr/>
+        <p:nvPr/>
+      </p:nvGrpSpPr>
+      <p:grpSpPr>
+        <a:xfrm>
+          <a:off x="0" y="0"/>
+          <a:ext cx="0" cy="0"/>
+          <a:chOff x="0" y="0"/>
+          <a:chExt cx="0" cy="0"/>
+        </a:xfrm>
+      </p:grpSpPr>
+      <p:sp>
+        <p:nvSpPr>
+          <p:cNvPr id="167" name="Google Shape;167;p28"/>
           <p:cNvSpPr/>
           <p:nvPr/>
         </p:nvSpPr>
@@ -9535,7 +9969,7 @@
       </p:sp>
       <p:sp>
         <p:nvSpPr>
-          <p:cNvPr id="160" name="Google Shape;160;p27"/>
+          <p:cNvPr id="168" name="Google Shape;168;p28"/>
           <p:cNvSpPr txBox="1"/>
           <p:nvPr>
             <p:ph idx="1" type="subTitle"/>
@@ -9571,7 +10005,7 @@
                   <a:schemeClr val="dk1"/>
                 </a:solidFill>
               </a:rPr>
-              <a:t>Data Analysis</a:t>
+              <a:t>Summary</a:t>
             </a:r>
             <a:endParaRPr sz="1777">
               <a:solidFill>
@@ -9583,13 +10017,13 @@
       </p:sp>
       <p:sp>
         <p:nvSpPr>
-          <p:cNvPr id="161" name="Google Shape;161;p27"/>
+          <p:cNvPr id="169" name="Google Shape;169;p28"/>
           <p:cNvSpPr txBox="1"/>
           <p:nvPr/>
         </p:nvSpPr>
         <p:spPr>
           <a:xfrm>
-            <a:off x="3249325" y="950825"/>
+            <a:off x="3249400" y="771150"/>
             <a:ext cx="5749800" cy="3648000"/>
           </a:xfrm>
           <a:prstGeom prst="rect">
@@ -9606,6 +10040,29 @@
           </a:bodyPr>
           <a:lstStyle/>
           <a:p>
+            <a:pPr indent="0" lvl="0" marL="457200" rtl="0" algn="l">
+              <a:spcBef>
+                <a:spcPts val="0"/>
+              </a:spcBef>
+              <a:spcAft>
+                <a:spcPts val="0"/>
+              </a:spcAft>
+              <a:buNone/>
+            </a:pPr>
+            <a:r>
+              <a:t/>
+            </a:r>
+            <a:endParaRPr sz="1500">
+              <a:solidFill>
+                <a:schemeClr val="dk1"/>
+              </a:solidFill>
+              <a:latin typeface="Source Sans Pro"/>
+              <a:ea typeface="Source Sans Pro"/>
+              <a:cs typeface="Source Sans Pro"/>
+              <a:sym typeface="Source Sans Pro"/>
+            </a:endParaRPr>
+          </a:p>
+          <a:p>
             <a:pPr indent="-323850" lvl="0" marL="457200" rtl="0" algn="l">
               <a:spcBef>
                 <a:spcPts val="0"/>
@@ -9630,20 +10087,43 @@
                 <a:cs typeface="Source Sans Pro"/>
                 <a:sym typeface="Source Sans Pro"/>
               </a:rPr>
-              <a:t>Question Setup</a:t>
-            </a:r>
-            <a:endParaRPr sz="1500">
-              <a:solidFill>
-                <a:schemeClr val="dk1"/>
-              </a:solidFill>
-              <a:latin typeface="Source Sans Pro"/>
-              <a:ea typeface="Source Sans Pro"/>
-              <a:cs typeface="Source Sans Pro"/>
-              <a:sym typeface="Source Sans Pro"/>
-            </a:endParaRPr>
-          </a:p>
-          <a:p>
-            <a:pPr indent="-323850" lvl="1" marL="914400" rtl="0" algn="l">
+              <a:t>Data Wrangling is a fun, iterative process</a:t>
+            </a:r>
+            <a:endParaRPr sz="1500">
+              <a:solidFill>
+                <a:schemeClr val="dk1"/>
+              </a:solidFill>
+              <a:latin typeface="Source Sans Pro"/>
+              <a:ea typeface="Source Sans Pro"/>
+              <a:cs typeface="Source Sans Pro"/>
+              <a:sym typeface="Source Sans Pro"/>
+            </a:endParaRPr>
+          </a:p>
+          <a:p>
+            <a:pPr indent="0" lvl="0" marL="457200" rtl="0" algn="l">
+              <a:spcBef>
+                <a:spcPts val="0"/>
+              </a:spcBef>
+              <a:spcAft>
+                <a:spcPts val="0"/>
+              </a:spcAft>
+              <a:buNone/>
+            </a:pPr>
+            <a:r>
+              <a:t/>
+            </a:r>
+            <a:endParaRPr sz="1500">
+              <a:solidFill>
+                <a:schemeClr val="dk1"/>
+              </a:solidFill>
+              <a:latin typeface="Source Sans Pro"/>
+              <a:ea typeface="Source Sans Pro"/>
+              <a:cs typeface="Source Sans Pro"/>
+              <a:sym typeface="Source Sans Pro"/>
+            </a:endParaRPr>
+          </a:p>
+          <a:p>
+            <a:pPr indent="-323850" lvl="0" marL="457200" rtl="0" algn="l">
               <a:spcBef>
                 <a:spcPts val="0"/>
               </a:spcBef>
@@ -9667,20 +10147,43 @@
                 <a:cs typeface="Source Sans Pro"/>
                 <a:sym typeface="Source Sans Pro"/>
               </a:rPr>
-              <a:t>Is there a difference in types of hate crimes among states with different Diversity Indices?</a:t>
-            </a:r>
-            <a:endParaRPr sz="1500">
-              <a:solidFill>
-                <a:schemeClr val="dk1"/>
-              </a:solidFill>
-              <a:latin typeface="Source Sans Pro"/>
-              <a:ea typeface="Source Sans Pro"/>
-              <a:cs typeface="Source Sans Pro"/>
-              <a:sym typeface="Source Sans Pro"/>
-            </a:endParaRPr>
-          </a:p>
-          <a:p>
-            <a:pPr indent="-323850" lvl="2" marL="1371600" rtl="0" algn="l">
+              <a:t>DC has an inordinate amount of crime for its population</a:t>
+            </a:r>
+            <a:endParaRPr sz="1500">
+              <a:solidFill>
+                <a:schemeClr val="dk1"/>
+              </a:solidFill>
+              <a:latin typeface="Source Sans Pro"/>
+              <a:ea typeface="Source Sans Pro"/>
+              <a:cs typeface="Source Sans Pro"/>
+              <a:sym typeface="Source Sans Pro"/>
+            </a:endParaRPr>
+          </a:p>
+          <a:p>
+            <a:pPr indent="0" lvl="0" marL="457200" rtl="0" algn="l">
+              <a:spcBef>
+                <a:spcPts val="0"/>
+              </a:spcBef>
+              <a:spcAft>
+                <a:spcPts val="0"/>
+              </a:spcAft>
+              <a:buNone/>
+            </a:pPr>
+            <a:r>
+              <a:t/>
+            </a:r>
+            <a:endParaRPr sz="1500">
+              <a:solidFill>
+                <a:schemeClr val="dk1"/>
+              </a:solidFill>
+              <a:latin typeface="Source Sans Pro"/>
+              <a:ea typeface="Source Sans Pro"/>
+              <a:cs typeface="Source Sans Pro"/>
+              <a:sym typeface="Source Sans Pro"/>
+            </a:endParaRPr>
+          </a:p>
+          <a:p>
+            <a:pPr indent="-323850" lvl="0" marL="457200" rtl="0" algn="l">
               <a:spcBef>
                 <a:spcPts val="0"/>
               </a:spcBef>
@@ -9704,20 +10207,43 @@
                 <a:cs typeface="Source Sans Pro"/>
                 <a:sym typeface="Source Sans Pro"/>
               </a:rPr>
-              <a:t>IV is DI </a:t>
-            </a:r>
-            <a:endParaRPr sz="1500">
-              <a:solidFill>
-                <a:schemeClr val="dk1"/>
-              </a:solidFill>
-              <a:latin typeface="Source Sans Pro"/>
-              <a:ea typeface="Source Sans Pro"/>
-              <a:cs typeface="Source Sans Pro"/>
-              <a:sym typeface="Source Sans Pro"/>
-            </a:endParaRPr>
-          </a:p>
-          <a:p>
-            <a:pPr indent="-323850" lvl="3" marL="1828800" rtl="0" algn="l">
+              <a:t>Correlation Matrices are a great way to visualize data relationships and get ideas for questions to ask</a:t>
+            </a:r>
+            <a:endParaRPr sz="1500">
+              <a:solidFill>
+                <a:schemeClr val="dk1"/>
+              </a:solidFill>
+              <a:latin typeface="Source Sans Pro"/>
+              <a:ea typeface="Source Sans Pro"/>
+              <a:cs typeface="Source Sans Pro"/>
+              <a:sym typeface="Source Sans Pro"/>
+            </a:endParaRPr>
+          </a:p>
+          <a:p>
+            <a:pPr indent="0" lvl="0" marL="457200" rtl="0" algn="l">
+              <a:spcBef>
+                <a:spcPts val="0"/>
+              </a:spcBef>
+              <a:spcAft>
+                <a:spcPts val="0"/>
+              </a:spcAft>
+              <a:buNone/>
+            </a:pPr>
+            <a:r>
+              <a:t/>
+            </a:r>
+            <a:endParaRPr sz="1500">
+              <a:solidFill>
+                <a:schemeClr val="dk1"/>
+              </a:solidFill>
+              <a:latin typeface="Source Sans Pro"/>
+              <a:ea typeface="Source Sans Pro"/>
+              <a:cs typeface="Source Sans Pro"/>
+              <a:sym typeface="Source Sans Pro"/>
+            </a:endParaRPr>
+          </a:p>
+          <a:p>
+            <a:pPr indent="-323850" lvl="0" marL="457200" rtl="0" algn="l">
               <a:spcBef>
                 <a:spcPts val="0"/>
               </a:spcBef>
@@ -9741,20 +10267,43 @@
                 <a:cs typeface="Source Sans Pro"/>
                 <a:sym typeface="Source Sans Pro"/>
               </a:rPr>
-              <a:t>Continuous</a:t>
-            </a:r>
-            <a:endParaRPr sz="1500">
-              <a:solidFill>
-                <a:schemeClr val="dk1"/>
-              </a:solidFill>
-              <a:latin typeface="Source Sans Pro"/>
-              <a:ea typeface="Source Sans Pro"/>
-              <a:cs typeface="Source Sans Pro"/>
-              <a:sym typeface="Source Sans Pro"/>
-            </a:endParaRPr>
-          </a:p>
-          <a:p>
-            <a:pPr indent="-323850" lvl="2" marL="1371600" rtl="0" algn="l">
+              <a:t>The interplay between Crime and Diversity is a complex topic</a:t>
+            </a:r>
+            <a:endParaRPr sz="1500">
+              <a:solidFill>
+                <a:schemeClr val="dk1"/>
+              </a:solidFill>
+              <a:latin typeface="Source Sans Pro"/>
+              <a:ea typeface="Source Sans Pro"/>
+              <a:cs typeface="Source Sans Pro"/>
+              <a:sym typeface="Source Sans Pro"/>
+            </a:endParaRPr>
+          </a:p>
+          <a:p>
+            <a:pPr indent="0" lvl="0" marL="457200" rtl="0" algn="l">
+              <a:spcBef>
+                <a:spcPts val="0"/>
+              </a:spcBef>
+              <a:spcAft>
+                <a:spcPts val="0"/>
+              </a:spcAft>
+              <a:buNone/>
+            </a:pPr>
+            <a:r>
+              <a:t/>
+            </a:r>
+            <a:endParaRPr sz="1500">
+              <a:solidFill>
+                <a:schemeClr val="dk1"/>
+              </a:solidFill>
+              <a:latin typeface="Source Sans Pro"/>
+              <a:ea typeface="Source Sans Pro"/>
+              <a:cs typeface="Source Sans Pro"/>
+              <a:sym typeface="Source Sans Pro"/>
+            </a:endParaRPr>
+          </a:p>
+          <a:p>
+            <a:pPr indent="-323850" lvl="0" marL="457200" rtl="0" algn="l">
               <a:spcBef>
                 <a:spcPts val="0"/>
               </a:spcBef>
@@ -9778,81 +10327,30 @@
                 <a:cs typeface="Source Sans Pro"/>
                 <a:sym typeface="Source Sans Pro"/>
               </a:rPr>
-              <a:t>DV is Type of Crimes (controlling for population)</a:t>
-            </a:r>
-            <a:endParaRPr sz="1500">
-              <a:solidFill>
-                <a:schemeClr val="dk1"/>
-              </a:solidFill>
-              <a:latin typeface="Source Sans Pro"/>
-              <a:ea typeface="Source Sans Pro"/>
-              <a:cs typeface="Source Sans Pro"/>
-              <a:sym typeface="Source Sans Pro"/>
-            </a:endParaRPr>
-          </a:p>
-          <a:p>
-            <a:pPr indent="-323850" lvl="3" marL="1828800" rtl="0" algn="l">
-              <a:spcBef>
-                <a:spcPts val="0"/>
-              </a:spcBef>
-              <a:spcAft>
-                <a:spcPts val="0"/>
-              </a:spcAft>
-              <a:buClr>
-                <a:schemeClr val="dk1"/>
-              </a:buClr>
-              <a:buSzPts val="1500"/>
-              <a:buFont typeface="Source Sans Pro"/>
-              <a:buChar char="-"/>
-            </a:pPr>
-            <a:r>
-              <a:rPr lang="en" sz="1500">
-                <a:solidFill>
-                  <a:schemeClr val="dk1"/>
-                </a:solidFill>
-                <a:latin typeface="Source Sans Pro"/>
-                <a:ea typeface="Source Sans Pro"/>
-                <a:cs typeface="Source Sans Pro"/>
-                <a:sym typeface="Source Sans Pro"/>
-              </a:rPr>
-              <a:t>Categorical</a:t>
-            </a:r>
-            <a:endParaRPr sz="1500">
-              <a:solidFill>
-                <a:schemeClr val="dk1"/>
-              </a:solidFill>
-              <a:latin typeface="Source Sans Pro"/>
-              <a:ea typeface="Source Sans Pro"/>
-              <a:cs typeface="Source Sans Pro"/>
-              <a:sym typeface="Source Sans Pro"/>
-            </a:endParaRPr>
-          </a:p>
-          <a:p>
-            <a:pPr indent="-323850" lvl="3" marL="1828800" rtl="0" algn="l">
-              <a:spcBef>
-                <a:spcPts val="0"/>
-              </a:spcBef>
-              <a:spcAft>
-                <a:spcPts val="0"/>
-              </a:spcAft>
-              <a:buClr>
-                <a:schemeClr val="dk1"/>
-              </a:buClr>
-              <a:buSzPts val="1500"/>
-              <a:buFont typeface="Source Sans Pro"/>
-              <a:buChar char="-"/>
-            </a:pPr>
-            <a:r>
-              <a:rPr lang="en" sz="1500">
-                <a:solidFill>
-                  <a:schemeClr val="dk1"/>
-                </a:solidFill>
-                <a:latin typeface="Source Sans Pro"/>
-                <a:ea typeface="Source Sans Pro"/>
-                <a:cs typeface="Source Sans Pro"/>
-                <a:sym typeface="Source Sans Pro"/>
-              </a:rPr>
-              <a:t>More than 2 Levels</a:t>
+              <a:t>Google is a great friend to those in data analytics and data science</a:t>
+            </a:r>
+            <a:endParaRPr sz="1500">
+              <a:solidFill>
+                <a:schemeClr val="dk1"/>
+              </a:solidFill>
+              <a:latin typeface="Source Sans Pro"/>
+              <a:ea typeface="Source Sans Pro"/>
+              <a:cs typeface="Source Sans Pro"/>
+              <a:sym typeface="Source Sans Pro"/>
+            </a:endParaRPr>
+          </a:p>
+          <a:p>
+            <a:pPr indent="0" lvl="0" marL="914400" rtl="0" algn="l">
+              <a:spcBef>
+                <a:spcPts val="0"/>
+              </a:spcBef>
+              <a:spcAft>
+                <a:spcPts val="0"/>
+              </a:spcAft>
+              <a:buNone/>
+            </a:pPr>
+            <a:r>
+              <a:t/>
             </a:r>
             <a:endParaRPr sz="1500">
               <a:solidFill>
@@ -9876,154 +10374,6 @@
             </a:pPr>
             <a:r>
               <a:t/>
-            </a:r>
-            <a:endParaRPr sz="1500">
-              <a:solidFill>
-                <a:schemeClr val="dk1"/>
-              </a:solidFill>
-              <a:latin typeface="Source Sans Pro"/>
-              <a:ea typeface="Source Sans Pro"/>
-              <a:cs typeface="Source Sans Pro"/>
-              <a:sym typeface="Source Sans Pro"/>
-            </a:endParaRPr>
-          </a:p>
-          <a:p>
-            <a:pPr indent="-323850" lvl="0" marL="457200" rtl="0" algn="l">
-              <a:spcBef>
-                <a:spcPts val="0"/>
-              </a:spcBef>
-              <a:spcAft>
-                <a:spcPts val="0"/>
-              </a:spcAft>
-              <a:buClr>
-                <a:schemeClr val="dk1"/>
-              </a:buClr>
-              <a:buSzPts val="1500"/>
-              <a:buFont typeface="Source Sans Pro"/>
-              <a:buChar char="-"/>
-            </a:pPr>
-            <a:r>
-              <a:rPr lang="en" sz="1500">
-                <a:solidFill>
-                  <a:schemeClr val="dk1"/>
-                </a:solidFill>
-                <a:latin typeface="Source Sans Pro"/>
-                <a:ea typeface="Source Sans Pro"/>
-                <a:cs typeface="Source Sans Pro"/>
-                <a:sym typeface="Source Sans Pro"/>
-              </a:rPr>
-              <a:t>Appropriate Analysis</a:t>
-            </a:r>
-            <a:endParaRPr sz="1500">
-              <a:solidFill>
-                <a:schemeClr val="dk1"/>
-              </a:solidFill>
-              <a:latin typeface="Source Sans Pro"/>
-              <a:ea typeface="Source Sans Pro"/>
-              <a:cs typeface="Source Sans Pro"/>
-              <a:sym typeface="Source Sans Pro"/>
-            </a:endParaRPr>
-          </a:p>
-          <a:p>
-            <a:pPr indent="-323850" lvl="1" marL="914400" rtl="0" algn="l">
-              <a:spcBef>
-                <a:spcPts val="0"/>
-              </a:spcBef>
-              <a:spcAft>
-                <a:spcPts val="0"/>
-              </a:spcAft>
-              <a:buClr>
-                <a:schemeClr val="dk1"/>
-              </a:buClr>
-              <a:buSzPts val="1500"/>
-              <a:buFont typeface="Source Sans Pro"/>
-              <a:buChar char="-"/>
-            </a:pPr>
-            <a:r>
-              <a:rPr lang="en" sz="1500">
-                <a:solidFill>
-                  <a:schemeClr val="dk1"/>
-                </a:solidFill>
-                <a:latin typeface="Source Sans Pro"/>
-                <a:ea typeface="Source Sans Pro"/>
-                <a:cs typeface="Source Sans Pro"/>
-                <a:sym typeface="Source Sans Pro"/>
-              </a:rPr>
-              <a:t>If want to know how much influence each variable has: Stepwise Multinomial Logistic Regression</a:t>
-            </a:r>
-            <a:endParaRPr sz="1500">
-              <a:solidFill>
-                <a:schemeClr val="dk1"/>
-              </a:solidFill>
-              <a:latin typeface="Source Sans Pro"/>
-              <a:ea typeface="Source Sans Pro"/>
-              <a:cs typeface="Source Sans Pro"/>
-              <a:sym typeface="Source Sans Pro"/>
-            </a:endParaRPr>
-          </a:p>
-          <a:p>
-            <a:pPr indent="-323850" lvl="1" marL="914400" rtl="0" algn="l">
-              <a:spcBef>
-                <a:spcPts val="0"/>
-              </a:spcBef>
-              <a:spcAft>
-                <a:spcPts val="0"/>
-              </a:spcAft>
-              <a:buClr>
-                <a:schemeClr val="dk1"/>
-              </a:buClr>
-              <a:buSzPts val="1500"/>
-              <a:buFont typeface="Source Sans Pro"/>
-              <a:buChar char="-"/>
-            </a:pPr>
-            <a:r>
-              <a:rPr lang="en" sz="1500">
-                <a:solidFill>
-                  <a:schemeClr val="dk1"/>
-                </a:solidFill>
-                <a:latin typeface="Source Sans Pro"/>
-                <a:ea typeface="Source Sans Pro"/>
-                <a:cs typeface="Source Sans Pro"/>
-                <a:sym typeface="Source Sans Pro"/>
-              </a:rPr>
-              <a:t>If don’t want to know:</a:t>
-            </a:r>
-            <a:endParaRPr sz="1500">
-              <a:solidFill>
-                <a:schemeClr val="dk1"/>
-              </a:solidFill>
-              <a:latin typeface="Source Sans Pro"/>
-              <a:ea typeface="Source Sans Pro"/>
-              <a:cs typeface="Source Sans Pro"/>
-              <a:sym typeface="Source Sans Pro"/>
-            </a:endParaRPr>
-          </a:p>
-          <a:p>
-            <a:pPr indent="-323850" lvl="1" marL="914400" rtl="0" algn="l">
-              <a:spcBef>
-                <a:spcPts val="0"/>
-              </a:spcBef>
-              <a:spcAft>
-                <a:spcPts val="0"/>
-              </a:spcAft>
-              <a:buClr>
-                <a:schemeClr val="dk1"/>
-              </a:buClr>
-              <a:buSzPts val="1500"/>
-              <a:buFont typeface="Source Sans Pro"/>
-              <a:buChar char="-"/>
-            </a:pPr>
-            <a:r>
-              <a:rPr lang="en" sz="1500">
-                <a:solidFill>
-                  <a:schemeClr val="dk1"/>
-                </a:solidFill>
-                <a:latin typeface="Source Sans Pro"/>
-                <a:ea typeface="Source Sans Pro"/>
-                <a:cs typeface="Source Sans Pro"/>
-                <a:sym typeface="Source Sans Pro"/>
-              </a:rPr>
-              <a:t>Multinomial Logistic Regression</a:t>
             </a:r>
             <a:endParaRPr sz="1500">
               <a:solidFill>
@@ -14253,7 +14603,7 @@
                 <a:cs typeface="Source Sans Pro"/>
                 <a:sym typeface="Source Sans Pro"/>
               </a:rPr>
-              <a:t>Amount of Hate Crimes by Target per State</a:t>
+              <a:t>Amount of Hate Crimes by Type per State</a:t>
             </a:r>
             <a:endParaRPr sz="1500">
               <a:solidFill>
@@ -14465,8 +14815,8 @@
         </p:blipFill>
         <p:spPr>
           <a:xfrm>
-            <a:off x="1718567" y="97325"/>
-            <a:ext cx="7343382" cy="4948799"/>
+            <a:off x="1647067" y="66675"/>
+            <a:ext cx="7455583" cy="5024400"/>
           </a:xfrm>
           <a:prstGeom prst="rect">
             <a:avLst/>
@@ -14486,6 +14836,285 @@
 </file>
 
 <file path=ppt/theme/theme1.xml><?xml version="1.0" encoding="utf-8"?>
+<a:theme xmlns:a="http://schemas.openxmlformats.org/drawingml/2006/main" xmlns:r="http://schemas.openxmlformats.org/officeDocument/2006/relationships">
+  <a:themeElements>
+    <a:clrScheme name="Default">
+      <a:dk1>
+        <a:srgbClr val="000000"/>
+      </a:dk1>
+      <a:lt1>
+        <a:srgbClr val="FFFFFF"/>
+      </a:lt1>
+      <a:dk2>
+        <a:srgbClr val="158158"/>
+      </a:dk2>
+      <a:lt2>
+        <a:srgbClr val="F3F3F3"/>
+      </a:lt2>
+      <a:accent1>
+        <a:srgbClr val="058DC7"/>
+      </a:accent1>
+      <a:accent2>
+        <a:srgbClr val="50B432"/>
+      </a:accent2>
+      <a:accent3>
+        <a:srgbClr val="ED561B"/>
+      </a:accent3>
+      <a:accent4>
+        <a:srgbClr val="EDEF00"/>
+      </a:accent4>
+      <a:accent5>
+        <a:srgbClr val="24CBE5"/>
+      </a:accent5>
+      <a:accent6>
+        <a:srgbClr val="64E572"/>
+      </a:accent6>
+      <a:hlink>
+        <a:srgbClr val="2200CC"/>
+      </a:hlink>
+      <a:folHlink>
+        <a:srgbClr val="551A8B"/>
+      </a:folHlink>
+    </a:clrScheme>
+    <a:fontScheme name="Office">
+      <a:majorFont>
+        <a:latin typeface="Arial"/>
+        <a:ea typeface=""/>
+        <a:cs typeface=""/>
+        <a:font script="Jpan" typeface="ＭＳ Ｐゴシック"/>
+        <a:font script="Hang" typeface="맑은 고딕"/>
+        <a:font script="Hans" typeface="宋体"/>
+        <a:font script="Hant" typeface="新細明體"/>
+        <a:font script="Arab" typeface="Times New Roman"/>
+        <a:font script="Hebr" typeface="Times New Roman"/>
+        <a:font script="Thai" typeface="Angsana New"/>
+        <a:font script="Ethi" typeface="Nyala"/>
+        <a:font script="Beng" typeface="Vrinda"/>
+        <a:font script="Gujr" typeface="Shruti"/>
+        <a:font script="Khmr" typeface="MoolBoran"/>
+        <a:font script="Knda" typeface="Tunga"/>
+        <a:font script="Guru" typeface="Raavi"/>
+        <a:font script="Cans" typeface="Euphemia"/>
+        <a:font script="Cher" typeface="Plantagenet Cherokee"/>
+        <a:font script="Yiii" typeface="Microsoft Yi Baiti"/>
+        <a:font script="Tibt" typeface="Microsoft Himalaya"/>
+        <a:font script="Thaa" typeface="MV Boli"/>
+        <a:font script="Deva" typeface="Mangal"/>
+        <a:font script="Telu" typeface="Gautami"/>
+        <a:font script="Taml" typeface="Latha"/>
+        <a:font script="Syrc" typeface="Estrangelo Edessa"/>
+        <a:font script="Orya" typeface="Kalinga"/>
+        <a:font script="Mlym" typeface="Kartika"/>
+        <a:font script="Laoo" typeface="DokChampa"/>
+        <a:font script="Sinh" typeface="Iskoola Pota"/>
+        <a:font script="Mong" typeface="Mongolian Baiti"/>
+        <a:font script="Viet" typeface="Times New Roman"/>
+        <a:font script="Uigh" typeface="Microsoft Uighur"/>
+        <a:font script="Geor" typeface="Sylfaen"/>
+      </a:majorFont>
+      <a:minorFont>
+        <a:latin typeface="Arial"/>
+        <a:ea typeface=""/>
+        <a:cs typeface=""/>
+        <a:font script="Jpan" typeface="ＭＳ Ｐゴシック"/>
+        <a:font script="Hang" typeface="맑은 고딕"/>
+        <a:font script="Hans" typeface="宋体"/>
+        <a:font script="Hant" typeface="新細明體"/>
+        <a:font script="Arab" typeface="Arial"/>
+        <a:font script="Hebr" typeface="Arial"/>
+        <a:font script="Thai" typeface="Cordia New"/>
+        <a:font script="Ethi" typeface="Nyala"/>
+        <a:font script="Beng" typeface="Vrinda"/>
+        <a:font script="Gujr" typeface="Shruti"/>
+        <a:font script="Khmr" typeface="DaunPenh"/>
+        <a:font script="Knda" typeface="Tunga"/>
+        <a:font script="Guru" typeface="Raavi"/>
+        <a:font script="Cans" typeface="Euphemia"/>
+        <a:font script="Cher" typeface="Plantagenet Cherokee"/>
+        <a:font script="Yiii" typeface="Microsoft Yi Baiti"/>
+        <a:font script="Tibt" typeface="Microsoft Himalaya"/>
+        <a:font script="Thaa" typeface="MV Boli"/>
+        <a:font script="Deva" typeface="Mangal"/>
+        <a:font script="Telu" typeface="Gautami"/>
+        <a:font script="Taml" typeface="Latha"/>
+        <a:font script="Syrc" typeface="Estrangelo Edessa"/>
+        <a:font script="Orya" typeface="Kalinga"/>
+        <a:font script="Mlym" typeface="Kartika"/>
+        <a:font script="Laoo" typeface="DokChampa"/>
+        <a:font script="Sinh" typeface="Iskoola Pota"/>
+        <a:font script="Mong" typeface="Mongolian Baiti"/>
+        <a:font script="Viet" typeface="Arial"/>
+        <a:font script="Uigh" typeface="Microsoft Uighur"/>
+        <a:font script="Geor" typeface="Sylfaen"/>
+      </a:minorFont>
+    </a:fontScheme>
+    <a:fmtScheme name="Office">
+      <a:fillStyleLst>
+        <a:solidFill>
+          <a:schemeClr val="phClr"/>
+        </a:solidFill>
+        <a:gradFill rotWithShape="1">
+          <a:gsLst>
+            <a:gs pos="0">
+              <a:schemeClr val="phClr">
+                <a:tint val="50000"/>
+                <a:satMod val="300000"/>
+              </a:schemeClr>
+            </a:gs>
+            <a:gs pos="35000">
+              <a:schemeClr val="phClr">
+                <a:tint val="37000"/>
+                <a:satMod val="300000"/>
+              </a:schemeClr>
+            </a:gs>
+            <a:gs pos="100000">
+              <a:schemeClr val="phClr">
+                <a:tint val="15000"/>
+                <a:satMod val="350000"/>
+              </a:schemeClr>
+            </a:gs>
+          </a:gsLst>
+          <a:lin ang="16200000" scaled="1"/>
+        </a:gradFill>
+        <a:gradFill rotWithShape="1">
+          <a:gsLst>
+            <a:gs pos="0">
+              <a:schemeClr val="phClr">
+                <a:tint val="100000"/>
+                <a:shade val="100000"/>
+                <a:satMod val="130000"/>
+              </a:schemeClr>
+            </a:gs>
+            <a:gs pos="100000">
+              <a:schemeClr val="phClr">
+                <a:tint val="50000"/>
+                <a:shade val="100000"/>
+                <a:satMod val="350000"/>
+              </a:schemeClr>
+            </a:gs>
+          </a:gsLst>
+          <a:lin ang="16200000" scaled="0"/>
+        </a:gradFill>
+      </a:fillStyleLst>
+      <a:lnStyleLst>
+        <a:ln w="9525" cap="flat" cmpd="sng" algn="ctr">
+          <a:solidFill>
+            <a:schemeClr val="phClr">
+              <a:shade val="95000"/>
+              <a:satMod val="105000"/>
+            </a:schemeClr>
+          </a:solidFill>
+          <a:prstDash val="solid"/>
+        </a:ln>
+        <a:ln w="25400" cap="flat" cmpd="sng" algn="ctr">
+          <a:solidFill>
+            <a:schemeClr val="phClr"/>
+          </a:solidFill>
+          <a:prstDash val="solid"/>
+        </a:ln>
+        <a:ln w="38100" cap="flat" cmpd="sng" algn="ctr">
+          <a:solidFill>
+            <a:schemeClr val="phClr"/>
+          </a:solidFill>
+          <a:prstDash val="solid"/>
+        </a:ln>
+      </a:lnStyleLst>
+      <a:effectStyleLst>
+        <a:effectStyle>
+          <a:effectLst>
+            <a:outerShdw blurRad="40000" dist="20000" dir="5400000" rotWithShape="0">
+              <a:srgbClr val="000000">
+                <a:alpha val="38000"/>
+              </a:srgbClr>
+            </a:outerShdw>
+          </a:effectLst>
+        </a:effectStyle>
+        <a:effectStyle>
+          <a:effectLst>
+            <a:outerShdw blurRad="40000" dist="23000" dir="5400000" rotWithShape="0">
+              <a:srgbClr val="000000">
+                <a:alpha val="35000"/>
+              </a:srgbClr>
+            </a:outerShdw>
+          </a:effectLst>
+        </a:effectStyle>
+        <a:effectStyle>
+          <a:effectLst>
+            <a:outerShdw blurRad="40000" dist="23000" dir="5400000" rotWithShape="0">
+              <a:srgbClr val="000000">
+                <a:alpha val="35000"/>
+              </a:srgbClr>
+            </a:outerShdw>
+          </a:effectLst>
+          <a:scene3d>
+            <a:camera prst="orthographicFront">
+              <a:rot lat="0" lon="0" rev="0"/>
+            </a:camera>
+            <a:lightRig rig="threePt" dir="t">
+              <a:rot lat="0" lon="0" rev="1200000"/>
+            </a:lightRig>
+          </a:scene3d>
+          <a:sp3d>
+            <a:bevelT w="63500" h="25400"/>
+          </a:sp3d>
+        </a:effectStyle>
+      </a:effectStyleLst>
+      <a:bgFillStyleLst>
+        <a:solidFill>
+          <a:schemeClr val="phClr"/>
+        </a:solidFill>
+        <a:gradFill rotWithShape="1">
+          <a:gsLst>
+            <a:gs pos="0">
+              <a:schemeClr val="phClr">
+                <a:tint val="40000"/>
+                <a:satMod val="350000"/>
+              </a:schemeClr>
+            </a:gs>
+            <a:gs pos="40000">
+              <a:schemeClr val="phClr">
+                <a:tint val="45000"/>
+                <a:shade val="99000"/>
+                <a:satMod val="350000"/>
+              </a:schemeClr>
+            </a:gs>
+            <a:gs pos="100000">
+              <a:schemeClr val="phClr">
+                <a:shade val="20000"/>
+                <a:satMod val="255000"/>
+              </a:schemeClr>
+            </a:gs>
+          </a:gsLst>
+          <a:path path="circle">
+            <a:fillToRect l="50000" t="-80000" r="50000" b="180000"/>
+          </a:path>
+        </a:gradFill>
+        <a:gradFill rotWithShape="1">
+          <a:gsLst>
+            <a:gs pos="0">
+              <a:schemeClr val="phClr">
+                <a:tint val="80000"/>
+                <a:satMod val="300000"/>
+              </a:schemeClr>
+            </a:gs>
+            <a:gs pos="100000">
+              <a:schemeClr val="phClr">
+                <a:shade val="30000"/>
+                <a:satMod val="200000"/>
+              </a:schemeClr>
+            </a:gs>
+          </a:gsLst>
+          <a:path path="circle">
+            <a:fillToRect l="50000" t="50000" r="50000" b="50000"/>
+          </a:path>
+        </a:gradFill>
+      </a:bgFillStyleLst>
+    </a:fmtScheme>
+  </a:themeElements>
+</a:theme>
+</file>
+
+<file path=ppt/theme/theme2.xml><?xml version="1.0" encoding="utf-8"?>
 <a:theme xmlns:a="http://schemas.openxmlformats.org/drawingml/2006/main" xmlns:r="http://schemas.openxmlformats.org/officeDocument/2006/relationships" name="Simple Dark">
   <a:themeElements>
     <a:clrScheme name="Simple Dark">
@@ -14762,283 +15391,4 @@
     </a:fmtScheme>
   </a:themeElements>
 </a:theme>
-</file>
-
-<file path=ppt/theme/theme2.xml><?xml version="1.0" encoding="utf-8"?>
-<a:theme xmlns:a="http://schemas.openxmlformats.org/drawingml/2006/main" xmlns:r="http://schemas.openxmlformats.org/officeDocument/2006/relationships">
-  <a:themeElements>
-    <a:clrScheme name="Default">
-      <a:dk1>
-        <a:srgbClr val="000000"/>
-      </a:dk1>
-      <a:lt1>
-        <a:srgbClr val="FFFFFF"/>
-      </a:lt1>
-      <a:dk2>
-        <a:srgbClr val="158158"/>
-      </a:dk2>
-      <a:lt2>
-        <a:srgbClr val="F3F3F3"/>
-      </a:lt2>
-      <a:accent1>
-        <a:srgbClr val="058DC7"/>
-      </a:accent1>
-      <a:accent2>
-        <a:srgbClr val="50B432"/>
-      </a:accent2>
-      <a:accent3>
-        <a:srgbClr val="ED561B"/>
-      </a:accent3>
-      <a:accent4>
-        <a:srgbClr val="EDEF00"/>
-      </a:accent4>
-      <a:accent5>
-        <a:srgbClr val="24CBE5"/>
-      </a:accent5>
-      <a:accent6>
-        <a:srgbClr val="64E572"/>
-      </a:accent6>
-      <a:hlink>
-        <a:srgbClr val="2200CC"/>
-      </a:hlink>
-      <a:folHlink>
-        <a:srgbClr val="551A8B"/>
-      </a:folHlink>
-    </a:clrScheme>
-    <a:fontScheme name="Office">
-      <a:majorFont>
-        <a:latin typeface="Arial"/>
-        <a:ea typeface=""/>
-        <a:cs typeface=""/>
-        <a:font script="Jpan" typeface="ＭＳ Ｐゴシック"/>
-        <a:font script="Hang" typeface="맑은 고딕"/>
-        <a:font script="Hans" typeface="宋体"/>
-        <a:font script="Hant" typeface="新細明體"/>
-        <a:font script="Arab" typeface="Times New Roman"/>
-        <a:font script="Hebr" typeface="Times New Roman"/>
-        <a:font script="Thai" typeface="Angsana New"/>
-        <a:font script="Ethi" typeface="Nyala"/>
-        <a:font script="Beng" typeface="Vrinda"/>
-        <a:font script="Gujr" typeface="Shruti"/>
-        <a:font script="Khmr" typeface="MoolBoran"/>
-        <a:font script="Knda" typeface="Tunga"/>
-        <a:font script="Guru" typeface="Raavi"/>
-        <a:font script="Cans" typeface="Euphemia"/>
-        <a:font script="Cher" typeface="Plantagenet Cherokee"/>
-        <a:font script="Yiii" typeface="Microsoft Yi Baiti"/>
-        <a:font script="Tibt" typeface="Microsoft Himalaya"/>
-        <a:font script="Thaa" typeface="MV Boli"/>
-        <a:font script="Deva" typeface="Mangal"/>
-        <a:font script="Telu" typeface="Gautami"/>
-        <a:font script="Taml" typeface="Latha"/>
-        <a:font script="Syrc" typeface="Estrangelo Edessa"/>
-        <a:font script="Orya" typeface="Kalinga"/>
-        <a:font script="Mlym" typeface="Kartika"/>
-        <a:font script="Laoo" typeface="DokChampa"/>
-        <a:font script="Sinh" typeface="Iskoola Pota"/>
-        <a:font script="Mong" typeface="Mongolian Baiti"/>
-        <a:font script="Viet" typeface="Times New Roman"/>
-        <a:font script="Uigh" typeface="Microsoft Uighur"/>
-        <a:font script="Geor" typeface="Sylfaen"/>
-      </a:majorFont>
-      <a:minorFont>
-        <a:latin typeface="Arial"/>
-        <a:ea typeface=""/>
-        <a:cs typeface=""/>
-        <a:font script="Jpan" typeface="ＭＳ Ｐゴシック"/>
-        <a:font script="Hang" typeface="맑은 고딕"/>
-        <a:font script="Hans" typeface="宋体"/>
-        <a:font script="Hant" typeface="新細明體"/>
-        <a:font script="Arab" typeface="Arial"/>
-        <a:font script="Hebr" typeface="Arial"/>
-        <a:font script="Thai" typeface="Cordia New"/>
-        <a:font script="Ethi" typeface="Nyala"/>
-        <a:font script="Beng" typeface="Vrinda"/>
-        <a:font script="Gujr" typeface="Shruti"/>
-        <a:font script="Khmr" typeface="DaunPenh"/>
-        <a:font script="Knda" typeface="Tunga"/>
-        <a:font script="Guru" typeface="Raavi"/>
-        <a:font script="Cans" typeface="Euphemia"/>
-        <a:font script="Cher" typeface="Plantagenet Cherokee"/>
-        <a:font script="Yiii" typeface="Microsoft Yi Baiti"/>
-        <a:font script="Tibt" typeface="Microsoft Himalaya"/>
-        <a:font script="Thaa" typeface="MV Boli"/>
-        <a:font script="Deva" typeface="Mangal"/>
-        <a:font script="Telu" typeface="Gautami"/>
-        <a:font script="Taml" typeface="Latha"/>
-        <a:font script="Syrc" typeface="Estrangelo Edessa"/>
-        <a:font script="Orya" typeface="Kalinga"/>
-        <a:font script="Mlym" typeface="Kartika"/>
-        <a:font script="Laoo" typeface="DokChampa"/>
-        <a:font script="Sinh" typeface="Iskoola Pota"/>
-        <a:font script="Mong" typeface="Mongolian Baiti"/>
-        <a:font script="Viet" typeface="Arial"/>
-        <a:font script="Uigh" typeface="Microsoft Uighur"/>
-        <a:font script="Geor" typeface="Sylfaen"/>
-      </a:minorFont>
-    </a:fontScheme>
-    <a:fmtScheme name="Office">
-      <a:fillStyleLst>
-        <a:solidFill>
-          <a:schemeClr val="phClr"/>
-        </a:solidFill>
-        <a:gradFill rotWithShape="1">
-          <a:gsLst>
-            <a:gs pos="0">
-              <a:schemeClr val="phClr">
-                <a:tint val="50000"/>
-                <a:satMod val="300000"/>
-              </a:schemeClr>
-            </a:gs>
-            <a:gs pos="35000">
-              <a:schemeClr val="phClr">
-                <a:tint val="37000"/>
-                <a:satMod val="300000"/>
-              </a:schemeClr>
-            </a:gs>
-            <a:gs pos="100000">
-              <a:schemeClr val="phClr">
-                <a:tint val="15000"/>
-                <a:satMod val="350000"/>
-              </a:schemeClr>
-            </a:gs>
-          </a:gsLst>
-          <a:lin ang="16200000" scaled="1"/>
-        </a:gradFill>
-        <a:gradFill rotWithShape="1">
-          <a:gsLst>
-            <a:gs pos="0">
-              <a:schemeClr val="phClr">
-                <a:tint val="100000"/>
-                <a:shade val="100000"/>
-                <a:satMod val="130000"/>
-              </a:schemeClr>
-            </a:gs>
-            <a:gs pos="100000">
-              <a:schemeClr val="phClr">
-                <a:tint val="50000"/>
-                <a:shade val="100000"/>
-                <a:satMod val="350000"/>
-              </a:schemeClr>
-            </a:gs>
-          </a:gsLst>
-          <a:lin ang="16200000" scaled="0"/>
-        </a:gradFill>
-      </a:fillStyleLst>
-      <a:lnStyleLst>
-        <a:ln w="9525" cap="flat" cmpd="sng" algn="ctr">
-          <a:solidFill>
-            <a:schemeClr val="phClr">
-              <a:shade val="95000"/>
-              <a:satMod val="105000"/>
-            </a:schemeClr>
-          </a:solidFill>
-          <a:prstDash val="solid"/>
-        </a:ln>
-        <a:ln w="25400" cap="flat" cmpd="sng" algn="ctr">
-          <a:solidFill>
-            <a:schemeClr val="phClr"/>
-          </a:solidFill>
-          <a:prstDash val="solid"/>
-        </a:ln>
-        <a:ln w="38100" cap="flat" cmpd="sng" algn="ctr">
-          <a:solidFill>
-            <a:schemeClr val="phClr"/>
-          </a:solidFill>
-          <a:prstDash val="solid"/>
-        </a:ln>
-      </a:lnStyleLst>
-      <a:effectStyleLst>
-        <a:effectStyle>
-          <a:effectLst>
-            <a:outerShdw blurRad="40000" dist="20000" dir="5400000" rotWithShape="0">
-              <a:srgbClr val="000000">
-                <a:alpha val="38000"/>
-              </a:srgbClr>
-            </a:outerShdw>
-          </a:effectLst>
-        </a:effectStyle>
-        <a:effectStyle>
-          <a:effectLst>
-            <a:outerShdw blurRad="40000" dist="23000" dir="5400000" rotWithShape="0">
-              <a:srgbClr val="000000">
-                <a:alpha val="35000"/>
-              </a:srgbClr>
-            </a:outerShdw>
-          </a:effectLst>
-        </a:effectStyle>
-        <a:effectStyle>
-          <a:effectLst>
-            <a:outerShdw blurRad="40000" dist="23000" dir="5400000" rotWithShape="0">
-              <a:srgbClr val="000000">
-                <a:alpha val="35000"/>
-              </a:srgbClr>
-            </a:outerShdw>
-          </a:effectLst>
-          <a:scene3d>
-            <a:camera prst="orthographicFront">
-              <a:rot lat="0" lon="0" rev="0"/>
-            </a:camera>
-            <a:lightRig rig="threePt" dir="t">
-              <a:rot lat="0" lon="0" rev="1200000"/>
-            </a:lightRig>
-          </a:scene3d>
-          <a:sp3d>
-            <a:bevelT w="63500" h="25400"/>
-          </a:sp3d>
-        </a:effectStyle>
-      </a:effectStyleLst>
-      <a:bgFillStyleLst>
-        <a:solidFill>
-          <a:schemeClr val="phClr"/>
-        </a:solidFill>
-        <a:gradFill rotWithShape="1">
-          <a:gsLst>
-            <a:gs pos="0">
-              <a:schemeClr val="phClr">
-                <a:tint val="40000"/>
-                <a:satMod val="350000"/>
-              </a:schemeClr>
-            </a:gs>
-            <a:gs pos="40000">
-              <a:schemeClr val="phClr">
-                <a:tint val="45000"/>
-                <a:shade val="99000"/>
-                <a:satMod val="350000"/>
-              </a:schemeClr>
-            </a:gs>
-            <a:gs pos="100000">
-              <a:schemeClr val="phClr">
-                <a:shade val="20000"/>
-                <a:satMod val="255000"/>
-              </a:schemeClr>
-            </a:gs>
-          </a:gsLst>
-          <a:path path="circle">
-            <a:fillToRect l="50000" t="-80000" r="50000" b="180000"/>
-          </a:path>
-        </a:gradFill>
-        <a:gradFill rotWithShape="1">
-          <a:gsLst>
-            <a:gs pos="0">
-              <a:schemeClr val="phClr">
-                <a:tint val="80000"/>
-                <a:satMod val="300000"/>
-              </a:schemeClr>
-            </a:gs>
-            <a:gs pos="100000">
-              <a:schemeClr val="phClr">
-                <a:shade val="30000"/>
-                <a:satMod val="200000"/>
-              </a:schemeClr>
-            </a:gs>
-          </a:gsLst>
-          <a:path path="circle">
-            <a:fillToRect l="50000" t="50000" r="50000" b="50000"/>
-          </a:path>
-        </a:gradFill>
-      </a:bgFillStyleLst>
-    </a:fmtScheme>
-  </a:themeElements>
-</a:theme>
 </file>
--- a/Media Files/FINAL PROJECT - DATA SCIENCE.pptx
+++ b/Media Files/FINAL PROJECT - DATA SCIENCE.pptx
@@ -8186,7 +8186,7 @@
         <p:spPr>
           <a:xfrm>
             <a:off x="3249400" y="771150"/>
-            <a:ext cx="5749800" cy="3648000"/>
+            <a:ext cx="5749800" cy="3879000"/>
           </a:xfrm>
           <a:prstGeom prst="rect">
             <a:avLst/>
@@ -8226,33 +8226,8 @@
                 <a:cs typeface="Source Sans Pro"/>
                 <a:sym typeface="Source Sans Pro"/>
               </a:rPr>
-              <a:t>How does demographic makeup of a state affect the # of Hate Crimes committed?</a:t>
-            </a:r>
-            <a:endParaRPr sz="1500">
-              <a:solidFill>
-                <a:schemeClr val="dk1"/>
-              </a:solidFill>
-              <a:latin typeface="Source Sans Pro"/>
-              <a:ea typeface="Source Sans Pro"/>
-              <a:cs typeface="Source Sans Pro"/>
-              <a:sym typeface="Source Sans Pro"/>
-            </a:endParaRPr>
-          </a:p>
-          <a:p>
-            <a:pPr indent="-323850" lvl="0" marL="457200" rtl="0" algn="l">
-              <a:spcBef>
-                <a:spcPts val="0"/>
-              </a:spcBef>
-              <a:spcAft>
-                <a:spcPts val="0"/>
-              </a:spcAft>
-              <a:buClr>
-                <a:schemeClr val="dk1"/>
-              </a:buClr>
-              <a:buSzPts val="1500"/>
-              <a:buFont typeface="Source Sans Pro"/>
-              <a:buChar char="-"/>
-            </a:pPr>
+              <a:t>How does demographic makeup of a state affect the # of Hate Crimes committed? the </a:t>
+            </a:r>
             <a:r>
               <a:rPr lang="en" sz="1500">
                 <a:solidFill>
@@ -8263,7 +8238,30 @@
                 <a:cs typeface="Source Sans Pro"/>
                 <a:sym typeface="Source Sans Pro"/>
               </a:rPr>
-              <a:t>How does demographic makeup of a state affect types of Hate Crimes committed?</a:t>
+              <a:t>types of Hate Crimes committed?</a:t>
+            </a:r>
+            <a:endParaRPr sz="1500">
+              <a:solidFill>
+                <a:schemeClr val="dk1"/>
+              </a:solidFill>
+              <a:latin typeface="Source Sans Pro"/>
+              <a:ea typeface="Source Sans Pro"/>
+              <a:cs typeface="Source Sans Pro"/>
+              <a:sym typeface="Source Sans Pro"/>
+            </a:endParaRPr>
+          </a:p>
+          <a:p>
+            <a:pPr indent="0" lvl="0" marL="914400" rtl="0" algn="l">
+              <a:spcBef>
+                <a:spcPts val="0"/>
+              </a:spcBef>
+              <a:spcAft>
+                <a:spcPts val="0"/>
+              </a:spcAft>
+              <a:buNone/>
+            </a:pPr>
+            <a:r>
+              <a:t/>
             </a:r>
             <a:endParaRPr sz="1500">
               <a:solidFill>
@@ -8300,7 +8298,30 @@
                 <a:cs typeface="Source Sans Pro"/>
                 <a:sym typeface="Source Sans Pro"/>
               </a:rPr>
-              <a:t>Realized this question format does not clarify how demographic makeup is being measured using the 8 categories of Race Population</a:t>
+              <a:t>Question format does not clarify how “demographic makeup” is being measured using the 8 categories of Race Population. How is data being combined to present per state within the analysis?</a:t>
+            </a:r>
+            <a:endParaRPr sz="1500">
+              <a:solidFill>
+                <a:schemeClr val="dk1"/>
+              </a:solidFill>
+              <a:latin typeface="Source Sans Pro"/>
+              <a:ea typeface="Source Sans Pro"/>
+              <a:cs typeface="Source Sans Pro"/>
+              <a:sym typeface="Source Sans Pro"/>
+            </a:endParaRPr>
+          </a:p>
+          <a:p>
+            <a:pPr indent="0" lvl="0" marL="457200" rtl="0" algn="l">
+              <a:spcBef>
+                <a:spcPts val="0"/>
+              </a:spcBef>
+              <a:spcAft>
+                <a:spcPts val="0"/>
+              </a:spcAft>
+              <a:buNone/>
+            </a:pPr>
+            <a:r>
+              <a:t/>
             </a:r>
             <a:endParaRPr sz="1500">
               <a:solidFill>
@@ -8773,7 +8794,7 @@
         </p:nvSpPr>
         <p:spPr>
           <a:xfrm>
-            <a:off x="3249325" y="950825"/>
+            <a:off x="3249325" y="1099400"/>
             <a:ext cx="5749800" cy="2493600"/>
           </a:xfrm>
           <a:prstGeom prst="rect">
@@ -8875,7 +8896,7 @@
                 <a:cs typeface="Source Sans Pro"/>
                 <a:sym typeface="Source Sans Pro"/>
               </a:rPr>
-              <a:t> in # of hate crimes among states with different Diversity Indices?</a:t>
+              <a:t> in # of hate crimes among states with different Diversity Indices (DI)?</a:t>
             </a:r>
             <a:endParaRPr sz="1500">
               <a:solidFill>
@@ -8912,7 +8933,7 @@
                 <a:cs typeface="Source Sans Pro"/>
                 <a:sym typeface="Source Sans Pro"/>
               </a:rPr>
-              <a:t>IV is DI </a:t>
+              <a:t>IV = DI </a:t>
             </a:r>
             <a:endParaRPr sz="1500">
               <a:solidFill>
@@ -8986,7 +9007,7 @@
                 <a:cs typeface="Source Sans Pro"/>
                 <a:sym typeface="Source Sans Pro"/>
               </a:rPr>
-              <a:t>DV is Total # of Crimes (controlling for population)</a:t>
+              <a:t>DV = Total # of Crimes (controlling for population)</a:t>
             </a:r>
             <a:endParaRPr sz="1500">
               <a:solidFill>
@@ -9215,7 +9236,7 @@
         <p:spPr>
           <a:xfrm>
             <a:off x="134775" y="127275"/>
-            <a:ext cx="1459800" cy="3879000"/>
+            <a:ext cx="1459800" cy="4340700"/>
           </a:xfrm>
           <a:prstGeom prst="rect">
             <a:avLst/>
@@ -9282,7 +9303,7 @@
                 <a:cs typeface="Source Sans Pro"/>
                 <a:sym typeface="Source Sans Pro"/>
               </a:rPr>
-              <a:t>There is statistically significant association between DI and Total Crime.</a:t>
+              <a:t>There is statistically significant association between DI and Total Hate Crimes.</a:t>
             </a:r>
             <a:endParaRPr sz="1500">
               <a:solidFill>
@@ -9360,7 +9381,7 @@
                 <a:cs typeface="Source Sans Pro"/>
                 <a:sym typeface="Source Sans Pro"/>
               </a:rPr>
-              <a:t>R-squared is 0.287. Only 28% of variation in Total Crime can be explained </a:t>
+              <a:t>R-squared is 0.287. Only 28% of variation in Total Hate Crimes can be explained </a:t>
             </a:r>
             <a:endParaRPr sz="1500">
               <a:solidFill>
@@ -10505,7 +10526,7 @@
         <p:spPr>
           <a:xfrm>
             <a:off x="3249425" y="1144725"/>
-            <a:ext cx="5749800" cy="4109700"/>
+            <a:ext cx="5749800" cy="3879000"/>
           </a:xfrm>
           <a:prstGeom prst="rect">
             <a:avLst/>
@@ -10540,7 +10561,39 @@
                 <a:cs typeface="Source Sans Pro"/>
                 <a:sym typeface="Source Sans Pro"/>
               </a:rPr>
-              <a:t>Original topics were disparate </a:t>
+              <a:t>Initial Dataset team agreed upon for this project:</a:t>
+            </a:r>
+            <a:endParaRPr sz="1500">
+              <a:solidFill>
+                <a:schemeClr val="dk1"/>
+              </a:solidFill>
+              <a:latin typeface="Source Sans Pro"/>
+              <a:ea typeface="Source Sans Pro"/>
+              <a:cs typeface="Source Sans Pro"/>
+              <a:sym typeface="Source Sans Pro"/>
+            </a:endParaRPr>
+          </a:p>
+          <a:p>
+            <a:pPr indent="0" lvl="0" marL="0" rtl="0" algn="ctr">
+              <a:spcBef>
+                <a:spcPts val="0"/>
+              </a:spcBef>
+              <a:spcAft>
+                <a:spcPts val="0"/>
+              </a:spcAft>
+              <a:buNone/>
+            </a:pPr>
+            <a:r>
+              <a:rPr lang="en" sz="1500">
+                <a:solidFill>
+                  <a:schemeClr val="dk1"/>
+                </a:solidFill>
+                <a:latin typeface="Source Sans Pro"/>
+                <a:ea typeface="Source Sans Pro"/>
+                <a:cs typeface="Source Sans Pro"/>
+                <a:sym typeface="Source Sans Pro"/>
+              </a:rPr>
+              <a:t>Hate_Crime_Incidents_per_Bias_Motivation_and_Quarter_</a:t>
             </a:r>
             <a:br>
               <a:rPr lang="en" sz="1500">
@@ -10563,53 +10616,7 @@
                 <a:cs typeface="Source Sans Pro"/>
                 <a:sym typeface="Source Sans Pro"/>
               </a:rPr>
-              <a:t>(Crime, Mental Health, Death Penalty) </a:t>
-            </a:r>
-            <a:br>
-              <a:rPr lang="en" sz="1500">
-                <a:solidFill>
-                  <a:schemeClr val="dk1"/>
-                </a:solidFill>
-                <a:latin typeface="Source Sans Pro"/>
-                <a:ea typeface="Source Sans Pro"/>
-                <a:cs typeface="Source Sans Pro"/>
-                <a:sym typeface="Source Sans Pro"/>
-              </a:rPr>
-            </a:br>
-            <a:r>
-              <a:rPr lang="en" sz="1500">
-                <a:solidFill>
-                  <a:schemeClr val="dk1"/>
-                </a:solidFill>
-                <a:latin typeface="Source Sans Pro"/>
-                <a:ea typeface="Source Sans Pro"/>
-                <a:cs typeface="Source Sans Pro"/>
-                <a:sym typeface="Source Sans Pro"/>
-              </a:rPr>
-              <a:t>so focused on choosing one dataset that interested </a:t>
-            </a:r>
-            <a:br>
-              <a:rPr lang="en" sz="1500">
-                <a:solidFill>
-                  <a:schemeClr val="dk1"/>
-                </a:solidFill>
-                <a:latin typeface="Source Sans Pro"/>
-                <a:ea typeface="Source Sans Pro"/>
-                <a:cs typeface="Source Sans Pro"/>
-                <a:sym typeface="Source Sans Pro"/>
-              </a:rPr>
-            </a:br>
-            <a:r>
-              <a:rPr lang="en" sz="1500">
-                <a:solidFill>
-                  <a:schemeClr val="dk1"/>
-                </a:solidFill>
-                <a:latin typeface="Source Sans Pro"/>
-                <a:ea typeface="Source Sans Pro"/>
-                <a:cs typeface="Source Sans Pro"/>
-                <a:sym typeface="Source Sans Pro"/>
-              </a:rPr>
-              <a:t>all team members enough to find questions each wanted to ask.</a:t>
+              <a:t>by_State_Federal_and_Agency_2019 dataset </a:t>
             </a:r>
             <a:endParaRPr sz="1500">
               <a:solidFill>
@@ -10633,93 +10640,6 @@
             </a:pPr>
             <a:r>
               <a:t/>
-            </a:r>
-            <a:endParaRPr sz="1500">
-              <a:solidFill>
-                <a:schemeClr val="dk1"/>
-              </a:solidFill>
-              <a:latin typeface="Source Sans Pro"/>
-              <a:ea typeface="Source Sans Pro"/>
-              <a:cs typeface="Source Sans Pro"/>
-              <a:sym typeface="Source Sans Pro"/>
-            </a:endParaRPr>
-          </a:p>
-          <a:p>
-            <a:pPr indent="0" lvl="0" marL="0" rtl="0" algn="ctr">
-              <a:spcBef>
-                <a:spcPts val="0"/>
-              </a:spcBef>
-              <a:spcAft>
-                <a:spcPts val="0"/>
-              </a:spcAft>
-              <a:buNone/>
-            </a:pPr>
-            <a:r>
-              <a:rPr lang="en" sz="1500">
-                <a:solidFill>
-                  <a:schemeClr val="dk1"/>
-                </a:solidFill>
-                <a:latin typeface="Source Sans Pro"/>
-                <a:ea typeface="Source Sans Pro"/>
-                <a:cs typeface="Source Sans Pro"/>
-                <a:sym typeface="Source Sans Pro"/>
-              </a:rPr>
-              <a:t>Dataset used for this project:</a:t>
-            </a:r>
-            <a:endParaRPr sz="1500">
-              <a:solidFill>
-                <a:schemeClr val="dk1"/>
-              </a:solidFill>
-              <a:latin typeface="Source Sans Pro"/>
-              <a:ea typeface="Source Sans Pro"/>
-              <a:cs typeface="Source Sans Pro"/>
-              <a:sym typeface="Source Sans Pro"/>
-            </a:endParaRPr>
-          </a:p>
-          <a:p>
-            <a:pPr indent="0" lvl="0" marL="0" rtl="0" algn="ctr">
-              <a:spcBef>
-                <a:spcPts val="0"/>
-              </a:spcBef>
-              <a:spcAft>
-                <a:spcPts val="0"/>
-              </a:spcAft>
-              <a:buNone/>
-            </a:pPr>
-            <a:r>
-              <a:rPr lang="en" sz="1500">
-                <a:solidFill>
-                  <a:schemeClr val="dk1"/>
-                </a:solidFill>
-                <a:latin typeface="Source Sans Pro"/>
-                <a:ea typeface="Source Sans Pro"/>
-                <a:cs typeface="Source Sans Pro"/>
-                <a:sym typeface="Source Sans Pro"/>
-              </a:rPr>
-              <a:t>Hate_Crime_Incidents_per_Bias_Motivation_and_Quarter_</a:t>
-            </a:r>
-            <a:br>
-              <a:rPr lang="en" sz="1500">
-                <a:solidFill>
-                  <a:schemeClr val="dk1"/>
-                </a:solidFill>
-                <a:latin typeface="Source Sans Pro"/>
-                <a:ea typeface="Source Sans Pro"/>
-                <a:cs typeface="Source Sans Pro"/>
-                <a:sym typeface="Source Sans Pro"/>
-              </a:rPr>
-            </a:br>
-            <a:r>
-              <a:rPr lang="en" sz="1500">
-                <a:solidFill>
-                  <a:schemeClr val="dk1"/>
-                </a:solidFill>
-                <a:latin typeface="Source Sans Pro"/>
-                <a:ea typeface="Source Sans Pro"/>
-                <a:cs typeface="Source Sans Pro"/>
-                <a:sym typeface="Source Sans Pro"/>
-              </a:rPr>
-              <a:t>by_State_Federal_and_Agency_2019 dataset </a:t>
             </a:r>
             <a:endParaRPr sz="1500">
               <a:solidFill>
@@ -10913,6 +10833,84 @@
             </a:pPr>
             <a:r>
               <a:t/>
+            </a:r>
+            <a:endParaRPr sz="1500">
+              <a:solidFill>
+                <a:schemeClr val="dk1"/>
+              </a:solidFill>
+              <a:latin typeface="Source Sans Pro"/>
+              <a:ea typeface="Source Sans Pro"/>
+              <a:cs typeface="Source Sans Pro"/>
+              <a:sym typeface="Source Sans Pro"/>
+            </a:endParaRPr>
+          </a:p>
+          <a:p>
+            <a:pPr indent="0" lvl="0" marL="0" rtl="0" algn="ctr">
+              <a:spcBef>
+                <a:spcPts val="0"/>
+              </a:spcBef>
+              <a:spcAft>
+                <a:spcPts val="0"/>
+              </a:spcAft>
+              <a:buNone/>
+            </a:pPr>
+            <a:r>
+              <a:rPr lang="en" sz="1500">
+                <a:solidFill>
+                  <a:schemeClr val="dk1"/>
+                </a:solidFill>
+                <a:latin typeface="Source Sans Pro"/>
+                <a:ea typeface="Source Sans Pro"/>
+                <a:cs typeface="Source Sans Pro"/>
+                <a:sym typeface="Source Sans Pro"/>
+              </a:rPr>
+              <a:t>Hate Crimes dataset details how many crimes per state, </a:t>
+            </a:r>
+            <a:br>
+              <a:rPr lang="en" sz="1500">
+                <a:solidFill>
+                  <a:schemeClr val="dk1"/>
+                </a:solidFill>
+                <a:latin typeface="Source Sans Pro"/>
+                <a:ea typeface="Source Sans Pro"/>
+                <a:cs typeface="Source Sans Pro"/>
+                <a:sym typeface="Source Sans Pro"/>
+              </a:rPr>
+            </a:br>
+            <a:r>
+              <a:rPr lang="en" sz="1500">
+                <a:solidFill>
+                  <a:schemeClr val="dk1"/>
+                </a:solidFill>
+                <a:latin typeface="Source Sans Pro"/>
+                <a:ea typeface="Source Sans Pro"/>
+                <a:cs typeface="Source Sans Pro"/>
+                <a:sym typeface="Source Sans Pro"/>
+              </a:rPr>
+              <a:t>classifying crimes by the motivating bias/target </a:t>
+            </a:r>
+            <a:br>
+              <a:rPr lang="en" sz="1500">
+                <a:solidFill>
+                  <a:schemeClr val="dk1"/>
+                </a:solidFill>
+                <a:latin typeface="Source Sans Pro"/>
+                <a:ea typeface="Source Sans Pro"/>
+                <a:cs typeface="Source Sans Pro"/>
+                <a:sym typeface="Source Sans Pro"/>
+              </a:rPr>
+            </a:br>
+            <a:r>
+              <a:rPr lang="en" sz="1500">
+                <a:solidFill>
+                  <a:schemeClr val="dk1"/>
+                </a:solidFill>
+                <a:latin typeface="Source Sans Pro"/>
+                <a:ea typeface="Source Sans Pro"/>
+                <a:cs typeface="Source Sans Pro"/>
+                <a:sym typeface="Source Sans Pro"/>
+              </a:rPr>
+              <a:t>(Race, Religion, Sexual Orientation, Gender, Gender ID, Disability).</a:t>
             </a:r>
             <a:endParaRPr sz="1500">
               <a:solidFill>
@@ -11010,7 +11008,7 @@
                   <a:schemeClr val="dk1"/>
                 </a:solidFill>
               </a:rPr>
-              <a:t>Initial Data &amp; Team Interests</a:t>
+              <a:t>Initial Dataset</a:t>
             </a:r>
             <a:endParaRPr sz="1777">
               <a:solidFill>
@@ -11144,7 +11142,7 @@
                   <a:schemeClr val="dk1"/>
                 </a:solidFill>
               </a:rPr>
-              <a:t>Sayira Furnish - Final Project</a:t>
+              <a:t>Data Wrangling (Python)</a:t>
             </a:r>
             <a:endParaRPr sz="1777">
               <a:solidFill>
@@ -11163,7 +11161,7 @@
         <p:spPr>
           <a:xfrm>
             <a:off x="3249400" y="771150"/>
-            <a:ext cx="5749800" cy="4340700"/>
+            <a:ext cx="5749800" cy="3879000"/>
           </a:xfrm>
           <a:prstGeom prst="rect">
             <a:avLst/>
@@ -11179,7 +11177,30 @@
           </a:bodyPr>
           <a:lstStyle/>
           <a:p>
-            <a:pPr indent="0" lvl="0" marL="0" rtl="0" algn="l">
+            <a:pPr indent="0" lvl="0" marL="0" rtl="0" algn="ctr">
+              <a:spcBef>
+                <a:spcPts val="0"/>
+              </a:spcBef>
+              <a:spcAft>
+                <a:spcPts val="0"/>
+              </a:spcAft>
+              <a:buNone/>
+            </a:pPr>
+            <a:r>
+              <a:t/>
+            </a:r>
+            <a:endParaRPr sz="1500">
+              <a:solidFill>
+                <a:schemeClr val="dk1"/>
+              </a:solidFill>
+              <a:latin typeface="Source Sans Pro"/>
+              <a:ea typeface="Source Sans Pro"/>
+              <a:cs typeface="Source Sans Pro"/>
+              <a:sym typeface="Source Sans Pro"/>
+            </a:endParaRPr>
+          </a:p>
+          <a:p>
+            <a:pPr indent="0" lvl="0" marL="0" rtl="0" algn="ctr">
               <a:spcBef>
                 <a:spcPts val="0"/>
               </a:spcBef>
@@ -11198,43 +11219,20 @@
                 <a:cs typeface="Source Sans Pro"/>
                 <a:sym typeface="Source Sans Pro"/>
               </a:rPr>
-              <a:t>Hate Crimes dataset detailed how many crimes per state, defining crimes by the motivating target (Race, Religion, Sexual Orientation, Gender, Gender ID, Disability).</a:t>
-            </a:r>
-            <a:endParaRPr sz="1500">
-              <a:solidFill>
-                <a:schemeClr val="dk1"/>
-              </a:solidFill>
-              <a:latin typeface="Source Sans Pro"/>
-              <a:ea typeface="Source Sans Pro"/>
-              <a:cs typeface="Source Sans Pro"/>
-              <a:sym typeface="Source Sans Pro"/>
-            </a:endParaRPr>
-          </a:p>
-          <a:p>
-            <a:pPr indent="0" lvl="0" marL="0" rtl="0" algn="l">
-              <a:spcBef>
-                <a:spcPts val="0"/>
-              </a:spcBef>
-              <a:spcAft>
-                <a:spcPts val="0"/>
-              </a:spcAft>
-              <a:buNone/>
-            </a:pPr>
-            <a:r>
-              <a:t/>
-            </a:r>
-            <a:endParaRPr sz="1500">
-              <a:solidFill>
-                <a:schemeClr val="dk1"/>
-              </a:solidFill>
-              <a:latin typeface="Source Sans Pro"/>
-              <a:ea typeface="Source Sans Pro"/>
-              <a:cs typeface="Source Sans Pro"/>
-              <a:sym typeface="Source Sans Pro"/>
-            </a:endParaRPr>
-          </a:p>
-          <a:p>
-            <a:pPr indent="0" lvl="0" marL="0" rtl="0" algn="l">
+              <a:t>Data Wrangling opens new opportunities for questions.  </a:t>
+            </a:r>
+            <a:endParaRPr sz="1500">
+              <a:solidFill>
+                <a:schemeClr val="dk1"/>
+              </a:solidFill>
+              <a:latin typeface="Source Sans Pro"/>
+              <a:ea typeface="Source Sans Pro"/>
+              <a:cs typeface="Source Sans Pro"/>
+              <a:sym typeface="Source Sans Pro"/>
+            </a:endParaRPr>
+          </a:p>
+          <a:p>
+            <a:pPr indent="0" lvl="0" marL="0" rtl="0" algn="ctr">
               <a:spcBef>
                 <a:spcPts val="0"/>
               </a:spcBef>
@@ -11253,20 +11251,20 @@
                 <a:cs typeface="Source Sans Pro"/>
                 <a:sym typeface="Source Sans Pro"/>
               </a:rPr>
-              <a:t>As reviewed the dataset, found myself asking what would see if pulled demographic data in, opening door to these 2 questions:</a:t>
-            </a:r>
-            <a:endParaRPr sz="1500">
-              <a:solidFill>
-                <a:schemeClr val="dk1"/>
-              </a:solidFill>
-              <a:latin typeface="Source Sans Pro"/>
-              <a:ea typeface="Source Sans Pro"/>
-              <a:cs typeface="Source Sans Pro"/>
-              <a:sym typeface="Source Sans Pro"/>
-            </a:endParaRPr>
-          </a:p>
-          <a:p>
-            <a:pPr indent="0" lvl="0" marL="0" rtl="0" algn="l">
+              <a:t>Multiple nulls led to pulling additional demographic data which opened door to these 2 questions:</a:t>
+            </a:r>
+            <a:endParaRPr sz="1500">
+              <a:solidFill>
+                <a:schemeClr val="dk1"/>
+              </a:solidFill>
+              <a:latin typeface="Source Sans Pro"/>
+              <a:ea typeface="Source Sans Pro"/>
+              <a:cs typeface="Source Sans Pro"/>
+              <a:sym typeface="Source Sans Pro"/>
+            </a:endParaRPr>
+          </a:p>
+          <a:p>
+            <a:pPr indent="0" lvl="0" marL="0" rtl="0" algn="ctr">
               <a:spcBef>
                 <a:spcPts val="0"/>
               </a:spcBef>
@@ -11289,7 +11287,7 @@
             </a:endParaRPr>
           </a:p>
           <a:p>
-            <a:pPr indent="-323850" lvl="0" marL="457200" rtl="0" algn="l">
+            <a:pPr indent="-323850" lvl="0" marL="457200" rtl="0" algn="ctr">
               <a:spcBef>
                 <a:spcPts val="0"/>
               </a:spcBef>
@@ -11313,32 +11311,27 @@
                 <a:cs typeface="Source Sans Pro"/>
                 <a:sym typeface="Source Sans Pro"/>
               </a:rPr>
-              <a:t>How does demographic makeup of a state affect types of Hate Crimes committed?</a:t>
-            </a:r>
-            <a:endParaRPr sz="1500">
-              <a:solidFill>
-                <a:schemeClr val="dk1"/>
-              </a:solidFill>
-              <a:latin typeface="Source Sans Pro"/>
-              <a:ea typeface="Source Sans Pro"/>
-              <a:cs typeface="Source Sans Pro"/>
-              <a:sym typeface="Source Sans Pro"/>
-            </a:endParaRPr>
-          </a:p>
-          <a:p>
-            <a:pPr indent="-323850" lvl="0" marL="457200" rtl="0" algn="l">
-              <a:spcBef>
-                <a:spcPts val="0"/>
-              </a:spcBef>
-              <a:spcAft>
-                <a:spcPts val="0"/>
-              </a:spcAft>
-              <a:buClr>
-                <a:schemeClr val="dk1"/>
-              </a:buClr>
-              <a:buSzPts val="1500"/>
-              <a:buFont typeface="Source Sans Pro"/>
-              <a:buAutoNum type="arabicParenR"/>
+              <a:t>How does demographic makeup of a state </a:t>
+            </a:r>
+            <a:endParaRPr sz="1500">
+              <a:solidFill>
+                <a:schemeClr val="dk1"/>
+              </a:solidFill>
+              <a:latin typeface="Source Sans Pro"/>
+              <a:ea typeface="Source Sans Pro"/>
+              <a:cs typeface="Source Sans Pro"/>
+              <a:sym typeface="Source Sans Pro"/>
+            </a:endParaRPr>
+          </a:p>
+          <a:p>
+            <a:pPr indent="0" lvl="0" marL="457200" rtl="0" algn="ctr">
+              <a:spcBef>
+                <a:spcPts val="0"/>
+              </a:spcBef>
+              <a:spcAft>
+                <a:spcPts val="0"/>
+              </a:spcAft>
+              <a:buNone/>
             </a:pPr>
             <a:r>
               <a:rPr lang="en" sz="1500">
@@ -11350,20 +11343,20 @@
                 <a:cs typeface="Source Sans Pro"/>
                 <a:sym typeface="Source Sans Pro"/>
               </a:rPr>
-              <a:t>How does demographic makeup of a state affect the # of Hate Crimes committed?</a:t>
-            </a:r>
-            <a:endParaRPr sz="1500">
-              <a:solidFill>
-                <a:schemeClr val="dk1"/>
-              </a:solidFill>
-              <a:latin typeface="Source Sans Pro"/>
-              <a:ea typeface="Source Sans Pro"/>
-              <a:cs typeface="Source Sans Pro"/>
-              <a:sym typeface="Source Sans Pro"/>
-            </a:endParaRPr>
-          </a:p>
-          <a:p>
-            <a:pPr indent="0" lvl="0" marL="0" rtl="0" algn="l">
+              <a:t>affect the # of Hate Crimes committed?</a:t>
+            </a:r>
+            <a:endParaRPr sz="1500">
+              <a:solidFill>
+                <a:schemeClr val="dk1"/>
+              </a:solidFill>
+              <a:latin typeface="Source Sans Pro"/>
+              <a:ea typeface="Source Sans Pro"/>
+              <a:cs typeface="Source Sans Pro"/>
+              <a:sym typeface="Source Sans Pro"/>
+            </a:endParaRPr>
+          </a:p>
+          <a:p>
+            <a:pPr indent="0" lvl="0" marL="457200" rtl="0" algn="ctr">
               <a:spcBef>
                 <a:spcPts val="0"/>
               </a:spcBef>
@@ -11386,14 +11379,19 @@
             </a:endParaRPr>
           </a:p>
           <a:p>
-            <a:pPr indent="0" lvl="0" marL="0" rtl="0" algn="l">
-              <a:spcBef>
-                <a:spcPts val="0"/>
-              </a:spcBef>
-              <a:spcAft>
-                <a:spcPts val="0"/>
-              </a:spcAft>
-              <a:buNone/>
+            <a:pPr indent="-323850" lvl="0" marL="457200" rtl="0" algn="ctr">
+              <a:spcBef>
+                <a:spcPts val="0"/>
+              </a:spcBef>
+              <a:spcAft>
+                <a:spcPts val="0"/>
+              </a:spcAft>
+              <a:buClr>
+                <a:schemeClr val="dk1"/>
+              </a:buClr>
+              <a:buSzPts val="1500"/>
+              <a:buFont typeface="Source Sans Pro"/>
+              <a:buAutoNum type="arabicParenR"/>
             </a:pPr>
             <a:r>
               <a:rPr lang="en" sz="1500">
@@ -11405,7 +11403,94 @@
                 <a:cs typeface="Source Sans Pro"/>
                 <a:sym typeface="Source Sans Pro"/>
               </a:rPr>
-              <a:t>This led to the US Census site’s State Visualizations of Key Demographic Trends from the 2020 Census: </a:t>
+              <a:t>How does demographic makeup of a state </a:t>
+            </a:r>
+            <a:endParaRPr sz="1500">
+              <a:solidFill>
+                <a:schemeClr val="dk1"/>
+              </a:solidFill>
+              <a:latin typeface="Source Sans Pro"/>
+              <a:ea typeface="Source Sans Pro"/>
+              <a:cs typeface="Source Sans Pro"/>
+              <a:sym typeface="Source Sans Pro"/>
+            </a:endParaRPr>
+          </a:p>
+          <a:p>
+            <a:pPr indent="0" lvl="0" marL="457200" rtl="0" algn="ctr">
+              <a:spcBef>
+                <a:spcPts val="0"/>
+              </a:spcBef>
+              <a:spcAft>
+                <a:spcPts val="0"/>
+              </a:spcAft>
+              <a:buNone/>
+            </a:pPr>
+            <a:r>
+              <a:rPr lang="en" sz="1500">
+                <a:solidFill>
+                  <a:schemeClr val="dk1"/>
+                </a:solidFill>
+                <a:latin typeface="Source Sans Pro"/>
+                <a:ea typeface="Source Sans Pro"/>
+                <a:cs typeface="Source Sans Pro"/>
+                <a:sym typeface="Source Sans Pro"/>
+              </a:rPr>
+              <a:t>affect the types of Hate Crimes committed?</a:t>
+            </a:r>
+            <a:endParaRPr sz="1500">
+              <a:solidFill>
+                <a:schemeClr val="dk1"/>
+              </a:solidFill>
+              <a:latin typeface="Source Sans Pro"/>
+              <a:ea typeface="Source Sans Pro"/>
+              <a:cs typeface="Source Sans Pro"/>
+              <a:sym typeface="Source Sans Pro"/>
+            </a:endParaRPr>
+          </a:p>
+          <a:p>
+            <a:pPr indent="0" lvl="0" marL="0" rtl="0" algn="ctr">
+              <a:spcBef>
+                <a:spcPts val="0"/>
+              </a:spcBef>
+              <a:spcAft>
+                <a:spcPts val="0"/>
+              </a:spcAft>
+              <a:buNone/>
+            </a:pPr>
+            <a:r>
+              <a:t/>
+            </a:r>
+            <a:endParaRPr sz="1500">
+              <a:solidFill>
+                <a:schemeClr val="dk1"/>
+              </a:solidFill>
+              <a:latin typeface="Source Sans Pro"/>
+              <a:ea typeface="Source Sans Pro"/>
+              <a:cs typeface="Source Sans Pro"/>
+              <a:sym typeface="Source Sans Pro"/>
+            </a:endParaRPr>
+          </a:p>
+          <a:p>
+            <a:pPr indent="0" lvl="0" marL="0" rtl="0" algn="ctr">
+              <a:spcBef>
+                <a:spcPts val="0"/>
+              </a:spcBef>
+              <a:spcAft>
+                <a:spcPts val="0"/>
+              </a:spcAft>
+              <a:buNone/>
+            </a:pPr>
+            <a:r>
+              <a:rPr lang="en" sz="1500">
+                <a:solidFill>
+                  <a:schemeClr val="dk1"/>
+                </a:solidFill>
+                <a:latin typeface="Source Sans Pro"/>
+                <a:ea typeface="Source Sans Pro"/>
+                <a:cs typeface="Source Sans Pro"/>
+                <a:sym typeface="Source Sans Pro"/>
+              </a:rPr>
+              <a:t>Additional data pulled from US Census site’s State Visualizations of Key Demographic Trends from the 2020 Census: </a:t>
             </a:r>
             <a:r>
               <a:rPr lang="en" sz="1500" u="sng">
@@ -11443,7 +11528,7 @@
             </a:endParaRPr>
           </a:p>
           <a:p>
-            <a:pPr indent="0" lvl="0" marL="0" rtl="0" algn="l">
+            <a:pPr indent="0" lvl="0" marL="0" rtl="0" algn="ctr">
               <a:spcBef>
                 <a:spcPts val="0"/>
               </a:spcBef>
@@ -11466,26 +11551,17 @@
             </a:endParaRPr>
           </a:p>
           <a:p>
-            <a:pPr indent="0" lvl="0" marL="0" rtl="0" algn="l">
-              <a:spcBef>
-                <a:spcPts val="0"/>
-              </a:spcBef>
-              <a:spcAft>
-                <a:spcPts val="0"/>
-              </a:spcAft>
-              <a:buNone/>
-            </a:pPr>
-            <a:r>
-              <a:rPr lang="en" sz="1500">
-                <a:solidFill>
-                  <a:schemeClr val="dk1"/>
-                </a:solidFill>
-                <a:latin typeface="Source Sans Pro"/>
-                <a:ea typeface="Source Sans Pro"/>
-                <a:cs typeface="Source Sans Pro"/>
-                <a:sym typeface="Source Sans Pro"/>
-              </a:rPr>
-              <a:t>Using data pulled from this site, a 2nd dataset was built and included in the data wrangling.</a:t>
+            <a:pPr indent="0" lvl="0" marL="0" rtl="0" algn="ctr">
+              <a:spcBef>
+                <a:spcPts val="0"/>
+              </a:spcBef>
+              <a:spcAft>
+                <a:spcPts val="0"/>
+              </a:spcAft>
+              <a:buNone/>
+            </a:pPr>
+            <a:r>
+              <a:t/>
             </a:r>
             <a:endParaRPr sz="1500">
               <a:solidFill>
@@ -11642,7 +11718,7 @@
         <p:spPr>
           <a:xfrm>
             <a:off x="3249400" y="771150"/>
-            <a:ext cx="5749800" cy="3879000"/>
+            <a:ext cx="5749800" cy="4109700"/>
           </a:xfrm>
           <a:prstGeom prst="rect">
             <a:avLst/>
@@ -11742,7 +11818,7 @@
                 <a:cs typeface="Source Sans Pro"/>
                 <a:sym typeface="Source Sans Pro"/>
               </a:rPr>
-              <a:t>When looked to collect missing data directly from source site, found there was no Alabama data reported for 2019</a:t>
+              <a:t>No Alabama data reported for 2019</a:t>
             </a:r>
             <a:endParaRPr sz="1500">
               <a:solidFill>
@@ -11816,7 +11892,30 @@
                 <a:cs typeface="Source Sans Pro"/>
                 <a:sym typeface="Source Sans Pro"/>
               </a:rPr>
-              <a:t>Did not include Alabama in build of demographics dataset</a:t>
+              <a:t>Chose to not include Alabama in build of demographics dataset</a:t>
+            </a:r>
+            <a:endParaRPr sz="1500">
+              <a:solidFill>
+                <a:schemeClr val="dk1"/>
+              </a:solidFill>
+              <a:latin typeface="Source Sans Pro"/>
+              <a:ea typeface="Source Sans Pro"/>
+              <a:cs typeface="Source Sans Pro"/>
+              <a:sym typeface="Source Sans Pro"/>
+            </a:endParaRPr>
+          </a:p>
+          <a:p>
+            <a:pPr indent="0" lvl="0" marL="914400" rtl="0" algn="l">
+              <a:spcBef>
+                <a:spcPts val="0"/>
+              </a:spcBef>
+              <a:spcAft>
+                <a:spcPts val="0"/>
+              </a:spcAft>
+              <a:buNone/>
+            </a:pPr>
+            <a:r>
+              <a:t/>
             </a:r>
             <a:endParaRPr sz="1500">
               <a:solidFill>
@@ -11876,32 +11975,27 @@
                 <a:cs typeface="Source Sans Pro"/>
                 <a:sym typeface="Source Sans Pro"/>
               </a:rPr>
-              <a:t>US Census site provided State, race percentages per state, and state population</a:t>
-            </a:r>
-            <a:endParaRPr sz="1500">
-              <a:solidFill>
-                <a:schemeClr val="dk1"/>
-              </a:solidFill>
-              <a:latin typeface="Source Sans Pro"/>
-              <a:ea typeface="Source Sans Pro"/>
-              <a:cs typeface="Source Sans Pro"/>
-              <a:sym typeface="Source Sans Pro"/>
-            </a:endParaRPr>
-          </a:p>
-          <a:p>
-            <a:pPr indent="-323850" lvl="1" marL="914400" rtl="0" algn="l">
-              <a:spcBef>
-                <a:spcPts val="0"/>
-              </a:spcBef>
-              <a:spcAft>
-                <a:spcPts val="0"/>
-              </a:spcAft>
-              <a:buClr>
-                <a:schemeClr val="dk1"/>
-              </a:buClr>
-              <a:buSzPts val="1500"/>
-              <a:buFont typeface="Source Sans Pro"/>
-              <a:buChar char="-"/>
+              <a:t>US Census site provided state population numbers, and </a:t>
+            </a:r>
+            <a:endParaRPr sz="1500">
+              <a:solidFill>
+                <a:schemeClr val="dk1"/>
+              </a:solidFill>
+              <a:latin typeface="Source Sans Pro"/>
+              <a:ea typeface="Source Sans Pro"/>
+              <a:cs typeface="Source Sans Pro"/>
+              <a:sym typeface="Source Sans Pro"/>
+            </a:endParaRPr>
+          </a:p>
+          <a:p>
+            <a:pPr indent="0" lvl="0" marL="457200" rtl="0" algn="l">
+              <a:spcBef>
+                <a:spcPts val="0"/>
+              </a:spcBef>
+              <a:spcAft>
+                <a:spcPts val="0"/>
+              </a:spcAft>
+              <a:buNone/>
             </a:pPr>
             <a:r>
               <a:rPr lang="en" sz="1500">
@@ -11913,7 +12007,108 @@
                 <a:cs typeface="Source Sans Pro"/>
                 <a:sym typeface="Source Sans Pro"/>
               </a:rPr>
-              <a:t>Set up equations for spreadsheet to calculate population #s for each race classification based on state population and race percentages</a:t>
+              <a:t>race as percentages per state </a:t>
+            </a:r>
+            <a:endParaRPr sz="1500">
+              <a:solidFill>
+                <a:schemeClr val="dk1"/>
+              </a:solidFill>
+              <a:latin typeface="Source Sans Pro"/>
+              <a:ea typeface="Source Sans Pro"/>
+              <a:cs typeface="Source Sans Pro"/>
+              <a:sym typeface="Source Sans Pro"/>
+            </a:endParaRPr>
+          </a:p>
+          <a:p>
+            <a:pPr indent="-323850" lvl="1" marL="914400" rtl="0" algn="l">
+              <a:spcBef>
+                <a:spcPts val="0"/>
+              </a:spcBef>
+              <a:spcAft>
+                <a:spcPts val="0"/>
+              </a:spcAft>
+              <a:buClr>
+                <a:schemeClr val="dk1"/>
+              </a:buClr>
+              <a:buSzPts val="1500"/>
+              <a:buFont typeface="Source Sans Pro"/>
+              <a:buChar char="-"/>
+            </a:pPr>
+            <a:r>
+              <a:rPr lang="en" sz="1500">
+                <a:solidFill>
+                  <a:schemeClr val="dk1"/>
+                </a:solidFill>
+                <a:latin typeface="Source Sans Pro"/>
+                <a:ea typeface="Source Sans Pro"/>
+                <a:cs typeface="Source Sans Pro"/>
+                <a:sym typeface="Source Sans Pro"/>
+              </a:rPr>
+              <a:t>Equations in spreadsheet calculate population #s </a:t>
+            </a:r>
+            <a:endParaRPr sz="1500">
+              <a:solidFill>
+                <a:schemeClr val="dk1"/>
+              </a:solidFill>
+              <a:latin typeface="Source Sans Pro"/>
+              <a:ea typeface="Source Sans Pro"/>
+              <a:cs typeface="Source Sans Pro"/>
+              <a:sym typeface="Source Sans Pro"/>
+            </a:endParaRPr>
+          </a:p>
+          <a:p>
+            <a:pPr indent="0" lvl="0" marL="914400" rtl="0" algn="l">
+              <a:spcBef>
+                <a:spcPts val="0"/>
+              </a:spcBef>
+              <a:spcAft>
+                <a:spcPts val="0"/>
+              </a:spcAft>
+              <a:buNone/>
+            </a:pPr>
+            <a:r>
+              <a:rPr lang="en" sz="1500">
+                <a:solidFill>
+                  <a:schemeClr val="dk1"/>
+                </a:solidFill>
+                <a:latin typeface="Source Sans Pro"/>
+                <a:ea typeface="Source Sans Pro"/>
+                <a:cs typeface="Source Sans Pro"/>
+                <a:sym typeface="Source Sans Pro"/>
+              </a:rPr>
+              <a:t>for each race based on state population </a:t>
+            </a:r>
+            <a:endParaRPr sz="1500">
+              <a:solidFill>
+                <a:schemeClr val="dk1"/>
+              </a:solidFill>
+              <a:latin typeface="Source Sans Pro"/>
+              <a:ea typeface="Source Sans Pro"/>
+              <a:cs typeface="Source Sans Pro"/>
+              <a:sym typeface="Source Sans Pro"/>
+            </a:endParaRPr>
+          </a:p>
+          <a:p>
+            <a:pPr indent="0" lvl="0" marL="914400" rtl="0" algn="l">
+              <a:spcBef>
+                <a:spcPts val="0"/>
+              </a:spcBef>
+              <a:spcAft>
+                <a:spcPts val="0"/>
+              </a:spcAft>
+              <a:buNone/>
+            </a:pPr>
+            <a:r>
+              <a:rPr lang="en" sz="1500">
+                <a:solidFill>
+                  <a:schemeClr val="dk1"/>
+                </a:solidFill>
+                <a:latin typeface="Source Sans Pro"/>
+                <a:ea typeface="Source Sans Pro"/>
+                <a:cs typeface="Source Sans Pro"/>
+                <a:sym typeface="Source Sans Pro"/>
+              </a:rPr>
+              <a:t>and race percentages</a:t>
             </a:r>
             <a:endParaRPr sz="1500">
               <a:solidFill>
@@ -12147,7 +12342,7 @@
         <p:spPr>
           <a:xfrm>
             <a:off x="119900" y="861025"/>
-            <a:ext cx="2919900" cy="3879000"/>
+            <a:ext cx="2919900" cy="4571400"/>
           </a:xfrm>
           <a:prstGeom prst="rect">
             <a:avLst/>
@@ -12173,6 +12368,29 @@
               <a:buNone/>
             </a:pPr>
             <a:r>
+              <a:t/>
+            </a:r>
+            <a:endParaRPr sz="1500">
+              <a:solidFill>
+                <a:schemeClr val="dk1"/>
+              </a:solidFill>
+              <a:latin typeface="Source Sans Pro"/>
+              <a:ea typeface="Source Sans Pro"/>
+              <a:cs typeface="Source Sans Pro"/>
+              <a:sym typeface="Source Sans Pro"/>
+            </a:endParaRPr>
+          </a:p>
+          <a:p>
+            <a:pPr indent="0" lvl="0" marL="0" rtl="0" algn="ctr">
+              <a:spcBef>
+                <a:spcPts val="0"/>
+              </a:spcBef>
+              <a:spcAft>
+                <a:spcPts val="0"/>
+              </a:spcAft>
+              <a:buNone/>
+            </a:pPr>
+            <a:r>
               <a:rPr lang="en" sz="1500">
                 <a:solidFill>
                   <a:schemeClr val="dk1"/>
@@ -12260,6 +12478,29 @@
               <a:buNone/>
             </a:pPr>
             <a:r>
+              <a:t/>
+            </a:r>
+            <a:endParaRPr sz="1500">
+              <a:solidFill>
+                <a:schemeClr val="dk1"/>
+              </a:solidFill>
+              <a:latin typeface="Source Sans Pro"/>
+              <a:ea typeface="Source Sans Pro"/>
+              <a:cs typeface="Source Sans Pro"/>
+              <a:sym typeface="Source Sans Pro"/>
+            </a:endParaRPr>
+          </a:p>
+          <a:p>
+            <a:pPr indent="0" lvl="0" marL="0" rtl="0" algn="ctr">
+              <a:spcBef>
+                <a:spcPts val="0"/>
+              </a:spcBef>
+              <a:spcAft>
+                <a:spcPts val="0"/>
+              </a:spcAft>
+              <a:buNone/>
+            </a:pPr>
+            <a:r>
               <a:rPr lang="en" sz="1500">
                 <a:solidFill>
                   <a:schemeClr val="dk1"/>
@@ -12269,7 +12510,30 @@
                 <a:cs typeface="Source Sans Pro"/>
                 <a:sym typeface="Source Sans Pro"/>
               </a:rPr>
-              <a:t>First ran without heatmap - useful because all digits are legible.</a:t>
+              <a:t>Version without heatmap (in code) - useful because digits are legible.</a:t>
+            </a:r>
+            <a:endParaRPr sz="1500">
+              <a:solidFill>
+                <a:schemeClr val="dk1"/>
+              </a:solidFill>
+              <a:latin typeface="Source Sans Pro"/>
+              <a:ea typeface="Source Sans Pro"/>
+              <a:cs typeface="Source Sans Pro"/>
+              <a:sym typeface="Source Sans Pro"/>
+            </a:endParaRPr>
+          </a:p>
+          <a:p>
+            <a:pPr indent="0" lvl="0" marL="0" rtl="0" algn="ctr">
+              <a:spcBef>
+                <a:spcPts val="0"/>
+              </a:spcBef>
+              <a:spcAft>
+                <a:spcPts val="0"/>
+              </a:spcAft>
+              <a:buNone/>
+            </a:pPr>
+            <a:r>
+              <a:t/>
             </a:r>
             <a:endParaRPr sz="1500">
               <a:solidFill>
@@ -12324,7 +12588,7 @@
                 <a:cs typeface="Source Sans Pro"/>
                 <a:sym typeface="Source Sans Pro"/>
               </a:rPr>
-              <a:t>Then ran with heatmap. While the digits are not as legible, the colors help clarify the correlation spread and make it easy to pinpoint areas of interest.</a:t>
+              <a:t>Version with heatmap (seen here). While the digits are not as legible, the colors help clarify the correlation spread and make it easy to pinpoint areas of interest.</a:t>
             </a:r>
             <a:endParaRPr sz="1500">
               <a:solidFill>
@@ -14815,8 +15079,8 @@
         </p:blipFill>
         <p:spPr>
           <a:xfrm>
-            <a:off x="1647067" y="66675"/>
-            <a:ext cx="7455583" cy="5024400"/>
+            <a:off x="1759256" y="66675"/>
+            <a:ext cx="7343393" cy="4948799"/>
           </a:xfrm>
           <a:prstGeom prst="rect">
             <a:avLst/>
@@ -14836,6 +15100,285 @@
 </file>
 
 <file path=ppt/theme/theme1.xml><?xml version="1.0" encoding="utf-8"?>
+<a:theme xmlns:a="http://schemas.openxmlformats.org/drawingml/2006/main" xmlns:r="http://schemas.openxmlformats.org/officeDocument/2006/relationships" name="Simple Dark">
+  <a:themeElements>
+    <a:clrScheme name="Simple Dark">
+      <a:dk1>
+        <a:srgbClr val="FFFFFF"/>
+      </a:dk1>
+      <a:lt1>
+        <a:srgbClr val="212121"/>
+      </a:lt1>
+      <a:dk2>
+        <a:srgbClr val="303030"/>
+      </a:dk2>
+      <a:lt2>
+        <a:srgbClr val="ADADAD"/>
+      </a:lt2>
+      <a:accent1>
+        <a:srgbClr val="009688"/>
+      </a:accent1>
+      <a:accent2>
+        <a:srgbClr val="EEEEEE"/>
+      </a:accent2>
+      <a:accent3>
+        <a:srgbClr val="78909C"/>
+      </a:accent3>
+      <a:accent4>
+        <a:srgbClr val="FFAB40"/>
+      </a:accent4>
+      <a:accent5>
+        <a:srgbClr val="4DD0E1"/>
+      </a:accent5>
+      <a:accent6>
+        <a:srgbClr val="EEFF41"/>
+      </a:accent6>
+      <a:hlink>
+        <a:srgbClr val="4DD0E1"/>
+      </a:hlink>
+      <a:folHlink>
+        <a:srgbClr val="4DD0E1"/>
+      </a:folHlink>
+    </a:clrScheme>
+    <a:fontScheme name="Office">
+      <a:majorFont>
+        <a:latin typeface="Arial"/>
+        <a:ea typeface=""/>
+        <a:cs typeface=""/>
+        <a:font script="Jpan" typeface="ＭＳ Ｐゴシック"/>
+        <a:font script="Hang" typeface="맑은 고딕"/>
+        <a:font script="Hans" typeface="宋体"/>
+        <a:font script="Hant" typeface="新細明體"/>
+        <a:font script="Arab" typeface="Times New Roman"/>
+        <a:font script="Hebr" typeface="Times New Roman"/>
+        <a:font script="Thai" typeface="Angsana New"/>
+        <a:font script="Ethi" typeface="Nyala"/>
+        <a:font script="Beng" typeface="Vrinda"/>
+        <a:font script="Gujr" typeface="Shruti"/>
+        <a:font script="Khmr" typeface="MoolBoran"/>
+        <a:font script="Knda" typeface="Tunga"/>
+        <a:font script="Guru" typeface="Raavi"/>
+        <a:font script="Cans" typeface="Euphemia"/>
+        <a:font script="Cher" typeface="Plantagenet Cherokee"/>
+        <a:font script="Yiii" typeface="Microsoft Yi Baiti"/>
+        <a:font script="Tibt" typeface="Microsoft Himalaya"/>
+        <a:font script="Thaa" typeface="MV Boli"/>
+        <a:font script="Deva" typeface="Mangal"/>
+        <a:font script="Telu" typeface="Gautami"/>
+        <a:font script="Taml" typeface="Latha"/>
+        <a:font script="Syrc" typeface="Estrangelo Edessa"/>
+        <a:font script="Orya" typeface="Kalinga"/>
+        <a:font script="Mlym" typeface="Kartika"/>
+        <a:font script="Laoo" typeface="DokChampa"/>
+        <a:font script="Sinh" typeface="Iskoola Pota"/>
+        <a:font script="Mong" typeface="Mongolian Baiti"/>
+        <a:font script="Viet" typeface="Times New Roman"/>
+        <a:font script="Uigh" typeface="Microsoft Uighur"/>
+        <a:font script="Geor" typeface="Sylfaen"/>
+      </a:majorFont>
+      <a:minorFont>
+        <a:latin typeface="Arial"/>
+        <a:ea typeface=""/>
+        <a:cs typeface=""/>
+        <a:font script="Jpan" typeface="ＭＳ Ｐゴシック"/>
+        <a:font script="Hang" typeface="맑은 고딕"/>
+        <a:font script="Hans" typeface="宋体"/>
+        <a:font script="Hant" typeface="新細明體"/>
+        <a:font script="Arab" typeface="Arial"/>
+        <a:font script="Hebr" typeface="Arial"/>
+        <a:font script="Thai" typeface="Cordia New"/>
+        <a:font script="Ethi" typeface="Nyala"/>
+        <a:font script="Beng" typeface="Vrinda"/>
+        <a:font script="Gujr" typeface="Shruti"/>
+        <a:font script="Khmr" typeface="DaunPenh"/>
+        <a:font script="Knda" typeface="Tunga"/>
+        <a:font script="Guru" typeface="Raavi"/>
+        <a:font script="Cans" typeface="Euphemia"/>
+        <a:font script="Cher" typeface="Plantagenet Cherokee"/>
+        <a:font script="Yiii" typeface="Microsoft Yi Baiti"/>
+        <a:font script="Tibt" typeface="Microsoft Himalaya"/>
+        <a:font script="Thaa" typeface="MV Boli"/>
+        <a:font script="Deva" typeface="Mangal"/>
+        <a:font script="Telu" typeface="Gautami"/>
+        <a:font script="Taml" typeface="Latha"/>
+        <a:font script="Syrc" typeface="Estrangelo Edessa"/>
+        <a:font script="Orya" typeface="Kalinga"/>
+        <a:font script="Mlym" typeface="Kartika"/>
+        <a:font script="Laoo" typeface="DokChampa"/>
+        <a:font script="Sinh" typeface="Iskoola Pota"/>
+        <a:font script="Mong" typeface="Mongolian Baiti"/>
+        <a:font script="Viet" typeface="Arial"/>
+        <a:font script="Uigh" typeface="Microsoft Uighur"/>
+        <a:font script="Geor" typeface="Sylfaen"/>
+      </a:minorFont>
+    </a:fontScheme>
+    <a:fmtScheme name="Office">
+      <a:fillStyleLst>
+        <a:solidFill>
+          <a:schemeClr val="phClr"/>
+        </a:solidFill>
+        <a:gradFill rotWithShape="1">
+          <a:gsLst>
+            <a:gs pos="0">
+              <a:schemeClr val="phClr">
+                <a:tint val="50000"/>
+                <a:satMod val="300000"/>
+              </a:schemeClr>
+            </a:gs>
+            <a:gs pos="35000">
+              <a:schemeClr val="phClr">
+                <a:tint val="37000"/>
+                <a:satMod val="300000"/>
+              </a:schemeClr>
+            </a:gs>
+            <a:gs pos="100000">
+              <a:schemeClr val="phClr">
+                <a:tint val="15000"/>
+                <a:satMod val="350000"/>
+              </a:schemeClr>
+            </a:gs>
+          </a:gsLst>
+          <a:lin ang="16200000" scaled="1"/>
+        </a:gradFill>
+        <a:gradFill rotWithShape="1">
+          <a:gsLst>
+            <a:gs pos="0">
+              <a:schemeClr val="phClr">
+                <a:tint val="100000"/>
+                <a:shade val="100000"/>
+                <a:satMod val="130000"/>
+              </a:schemeClr>
+            </a:gs>
+            <a:gs pos="100000">
+              <a:schemeClr val="phClr">
+                <a:tint val="50000"/>
+                <a:shade val="100000"/>
+                <a:satMod val="350000"/>
+              </a:schemeClr>
+            </a:gs>
+          </a:gsLst>
+          <a:lin ang="16200000" scaled="0"/>
+        </a:gradFill>
+      </a:fillStyleLst>
+      <a:lnStyleLst>
+        <a:ln w="9525" cap="flat" cmpd="sng" algn="ctr">
+          <a:solidFill>
+            <a:schemeClr val="phClr">
+              <a:shade val="95000"/>
+              <a:satMod val="105000"/>
+            </a:schemeClr>
+          </a:solidFill>
+          <a:prstDash val="solid"/>
+        </a:ln>
+        <a:ln w="25400" cap="flat" cmpd="sng" algn="ctr">
+          <a:solidFill>
+            <a:schemeClr val="phClr"/>
+          </a:solidFill>
+          <a:prstDash val="solid"/>
+        </a:ln>
+        <a:ln w="38100" cap="flat" cmpd="sng" algn="ctr">
+          <a:solidFill>
+            <a:schemeClr val="phClr"/>
+          </a:solidFill>
+          <a:prstDash val="solid"/>
+        </a:ln>
+      </a:lnStyleLst>
+      <a:effectStyleLst>
+        <a:effectStyle>
+          <a:effectLst>
+            <a:outerShdw blurRad="40000" dist="20000" dir="5400000" rotWithShape="0">
+              <a:srgbClr val="000000">
+                <a:alpha val="38000"/>
+              </a:srgbClr>
+            </a:outerShdw>
+          </a:effectLst>
+        </a:effectStyle>
+        <a:effectStyle>
+          <a:effectLst>
+            <a:outerShdw blurRad="40000" dist="23000" dir="5400000" rotWithShape="0">
+              <a:srgbClr val="000000">
+                <a:alpha val="35000"/>
+              </a:srgbClr>
+            </a:outerShdw>
+          </a:effectLst>
+        </a:effectStyle>
+        <a:effectStyle>
+          <a:effectLst>
+            <a:outerShdw blurRad="40000" dist="23000" dir="5400000" rotWithShape="0">
+              <a:srgbClr val="000000">
+                <a:alpha val="35000"/>
+              </a:srgbClr>
+            </a:outerShdw>
+          </a:effectLst>
+          <a:scene3d>
+            <a:camera prst="orthographicFront">
+              <a:rot lat="0" lon="0" rev="0"/>
+            </a:camera>
+            <a:lightRig rig="threePt" dir="t">
+              <a:rot lat="0" lon="0" rev="1200000"/>
+            </a:lightRig>
+          </a:scene3d>
+          <a:sp3d>
+            <a:bevelT w="63500" h="25400"/>
+          </a:sp3d>
+        </a:effectStyle>
+      </a:effectStyleLst>
+      <a:bgFillStyleLst>
+        <a:solidFill>
+          <a:schemeClr val="phClr"/>
+        </a:solidFill>
+        <a:gradFill rotWithShape="1">
+          <a:gsLst>
+            <a:gs pos="0">
+              <a:schemeClr val="phClr">
+                <a:tint val="40000"/>
+                <a:satMod val="350000"/>
+              </a:schemeClr>
+            </a:gs>
+            <a:gs pos="40000">
+              <a:schemeClr val="phClr">
+                <a:tint val="45000"/>
+                <a:shade val="99000"/>
+                <a:satMod val="350000"/>
+              </a:schemeClr>
+            </a:gs>
+            <a:gs pos="100000">
+              <a:schemeClr val="phClr">
+                <a:shade val="20000"/>
+                <a:satMod val="255000"/>
+              </a:schemeClr>
+            </a:gs>
+          </a:gsLst>
+          <a:path path="circle">
+            <a:fillToRect l="50000" t="-80000" r="50000" b="180000"/>
+          </a:path>
+        </a:gradFill>
+        <a:gradFill rotWithShape="1">
+          <a:gsLst>
+            <a:gs pos="0">
+              <a:schemeClr val="phClr">
+                <a:tint val="80000"/>
+                <a:satMod val="300000"/>
+              </a:schemeClr>
+            </a:gs>
+            <a:gs pos="100000">
+              <a:schemeClr val="phClr">
+                <a:shade val="30000"/>
+                <a:satMod val="200000"/>
+              </a:schemeClr>
+            </a:gs>
+          </a:gsLst>
+          <a:path path="circle">
+            <a:fillToRect l="50000" t="50000" r="50000" b="50000"/>
+          </a:path>
+        </a:gradFill>
+      </a:bgFillStyleLst>
+    </a:fmtScheme>
+  </a:themeElements>
+</a:theme>
+</file>
+
+<file path=ppt/theme/theme2.xml><?xml version="1.0" encoding="utf-8"?>
 <a:theme xmlns:a="http://schemas.openxmlformats.org/drawingml/2006/main" xmlns:r="http://schemas.openxmlformats.org/officeDocument/2006/relationships">
   <a:themeElements>
     <a:clrScheme name="Default">
@@ -15112,283 +15655,4 @@
     </a:fmtScheme>
   </a:themeElements>
 </a:theme>
-</file>
-
-<file path=ppt/theme/theme2.xml><?xml version="1.0" encoding="utf-8"?>
-<a:theme xmlns:a="http://schemas.openxmlformats.org/drawingml/2006/main" xmlns:r="http://schemas.openxmlformats.org/officeDocument/2006/relationships" name="Simple Dark">
-  <a:themeElements>
-    <a:clrScheme name="Simple Dark">
-      <a:dk1>
-        <a:srgbClr val="FFFFFF"/>
-      </a:dk1>
-      <a:lt1>
-        <a:srgbClr val="212121"/>
-      </a:lt1>
-      <a:dk2>
-        <a:srgbClr val="303030"/>
-      </a:dk2>
-      <a:lt2>
-        <a:srgbClr val="ADADAD"/>
-      </a:lt2>
-      <a:accent1>
-        <a:srgbClr val="009688"/>
-      </a:accent1>
-      <a:accent2>
-        <a:srgbClr val="EEEEEE"/>
-      </a:accent2>
-      <a:accent3>
-        <a:srgbClr val="78909C"/>
-      </a:accent3>
-      <a:accent4>
-        <a:srgbClr val="FFAB40"/>
-      </a:accent4>
-      <a:accent5>
-        <a:srgbClr val="4DD0E1"/>
-      </a:accent5>
-      <a:accent6>
-        <a:srgbClr val="EEFF41"/>
-      </a:accent6>
-      <a:hlink>
-        <a:srgbClr val="4DD0E1"/>
-      </a:hlink>
-      <a:folHlink>
-        <a:srgbClr val="4DD0E1"/>
-      </a:folHlink>
-    </a:clrScheme>
-    <a:fontScheme name="Office">
-      <a:majorFont>
-        <a:latin typeface="Arial"/>
-        <a:ea typeface=""/>
-        <a:cs typeface=""/>
-        <a:font script="Jpan" typeface="ＭＳ Ｐゴシック"/>
-        <a:font script="Hang" typeface="맑은 고딕"/>
-        <a:font script="Hans" typeface="宋体"/>
-        <a:font script="Hant" typeface="新細明體"/>
-        <a:font script="Arab" typeface="Times New Roman"/>
-        <a:font script="Hebr" typeface="Times New Roman"/>
-        <a:font script="Thai" typeface="Angsana New"/>
-        <a:font script="Ethi" typeface="Nyala"/>
-        <a:font script="Beng" typeface="Vrinda"/>
-        <a:font script="Gujr" typeface="Shruti"/>
-        <a:font script="Khmr" typeface="MoolBoran"/>
-        <a:font script="Knda" typeface="Tunga"/>
-        <a:font script="Guru" typeface="Raavi"/>
-        <a:font script="Cans" typeface="Euphemia"/>
-        <a:font script="Cher" typeface="Plantagenet Cherokee"/>
-        <a:font script="Yiii" typeface="Microsoft Yi Baiti"/>
-        <a:font script="Tibt" typeface="Microsoft Himalaya"/>
-        <a:font script="Thaa" typeface="MV Boli"/>
-        <a:font script="Deva" typeface="Mangal"/>
-        <a:font script="Telu" typeface="Gautami"/>
-        <a:font script="Taml" typeface="Latha"/>
-        <a:font script="Syrc" typeface="Estrangelo Edessa"/>
-        <a:font script="Orya" typeface="Kalinga"/>
-        <a:font script="Mlym" typeface="Kartika"/>
-        <a:font script="Laoo" typeface="DokChampa"/>
-        <a:font script="Sinh" typeface="Iskoola Pota"/>
-        <a:font script="Mong" typeface="Mongolian Baiti"/>
-        <a:font script="Viet" typeface="Times New Roman"/>
-        <a:font script="Uigh" typeface="Microsoft Uighur"/>
-        <a:font script="Geor" typeface="Sylfaen"/>
-      </a:majorFont>
-      <a:minorFont>
-        <a:latin typeface="Arial"/>
-        <a:ea typeface=""/>
-        <a:cs typeface=""/>
-        <a:font script="Jpan" typeface="ＭＳ Ｐゴシック"/>
-        <a:font script="Hang" typeface="맑은 고딕"/>
-        <a:font script="Hans" typeface="宋体"/>
-        <a:font script="Hant" typeface="新細明體"/>
-        <a:font script="Arab" typeface="Arial"/>
-        <a:font script="Hebr" typeface="Arial"/>
-        <a:font script="Thai" typeface="Cordia New"/>
-        <a:font script="Ethi" typeface="Nyala"/>
-        <a:font script="Beng" typeface="Vrinda"/>
-        <a:font script="Gujr" typeface="Shruti"/>
-        <a:font script="Khmr" typeface="DaunPenh"/>
-        <a:font script="Knda" typeface="Tunga"/>
-        <a:font script="Guru" typeface="Raavi"/>
-        <a:font script="Cans" typeface="Euphemia"/>
-        <a:font script="Cher" typeface="Plantagenet Cherokee"/>
-        <a:font script="Yiii" typeface="Microsoft Yi Baiti"/>
-        <a:font script="Tibt" typeface="Microsoft Himalaya"/>
-        <a:font script="Thaa" typeface="MV Boli"/>
-        <a:font script="Deva" typeface="Mangal"/>
-        <a:font script="Telu" typeface="Gautami"/>
-        <a:font script="Taml" typeface="Latha"/>
-        <a:font script="Syrc" typeface="Estrangelo Edessa"/>
-        <a:font script="Orya" typeface="Kalinga"/>
-        <a:font script="Mlym" typeface="Kartika"/>
-        <a:font script="Laoo" typeface="DokChampa"/>
-        <a:font script="Sinh" typeface="Iskoola Pota"/>
-        <a:font script="Mong" typeface="Mongolian Baiti"/>
-        <a:font script="Viet" typeface="Arial"/>
-        <a:font script="Uigh" typeface="Microsoft Uighur"/>
-        <a:font script="Geor" typeface="Sylfaen"/>
-      </a:minorFont>
-    </a:fontScheme>
-    <a:fmtScheme name="Office">
-      <a:fillStyleLst>
-        <a:solidFill>
-          <a:schemeClr val="phClr"/>
-        </a:solidFill>
-        <a:gradFill rotWithShape="1">
-          <a:gsLst>
-            <a:gs pos="0">
-              <a:schemeClr val="phClr">
-                <a:tint val="50000"/>
-                <a:satMod val="300000"/>
-              </a:schemeClr>
-            </a:gs>
-            <a:gs pos="35000">
-              <a:schemeClr val="phClr">
-                <a:tint val="37000"/>
-                <a:satMod val="300000"/>
-              </a:schemeClr>
-            </a:gs>
-            <a:gs pos="100000">
-              <a:schemeClr val="phClr">
-                <a:tint val="15000"/>
-                <a:satMod val="350000"/>
-              </a:schemeClr>
-            </a:gs>
-          </a:gsLst>
-          <a:lin ang="16200000" scaled="1"/>
-        </a:gradFill>
-        <a:gradFill rotWithShape="1">
-          <a:gsLst>
-            <a:gs pos="0">
-              <a:schemeClr val="phClr">
-                <a:tint val="100000"/>
-                <a:shade val="100000"/>
-                <a:satMod val="130000"/>
-              </a:schemeClr>
-            </a:gs>
-            <a:gs pos="100000">
-              <a:schemeClr val="phClr">
-                <a:tint val="50000"/>
-                <a:shade val="100000"/>
-                <a:satMod val="350000"/>
-              </a:schemeClr>
-            </a:gs>
-          </a:gsLst>
-          <a:lin ang="16200000" scaled="0"/>
-        </a:gradFill>
-      </a:fillStyleLst>
-      <a:lnStyleLst>
-        <a:ln w="9525" cap="flat" cmpd="sng" algn="ctr">
-          <a:solidFill>
-            <a:schemeClr val="phClr">
-              <a:shade val="95000"/>
-              <a:satMod val="105000"/>
-            </a:schemeClr>
-          </a:solidFill>
-          <a:prstDash val="solid"/>
-        </a:ln>
-        <a:ln w="25400" cap="flat" cmpd="sng" algn="ctr">
-          <a:solidFill>
-            <a:schemeClr val="phClr"/>
-          </a:solidFill>
-          <a:prstDash val="solid"/>
-        </a:ln>
-        <a:ln w="38100" cap="flat" cmpd="sng" algn="ctr">
-          <a:solidFill>
-            <a:schemeClr val="phClr"/>
-          </a:solidFill>
-          <a:prstDash val="solid"/>
-        </a:ln>
-      </a:lnStyleLst>
-      <a:effectStyleLst>
-        <a:effectStyle>
-          <a:effectLst>
-            <a:outerShdw blurRad="40000" dist="20000" dir="5400000" rotWithShape="0">
-              <a:srgbClr val="000000">
-                <a:alpha val="38000"/>
-              </a:srgbClr>
-            </a:outerShdw>
-          </a:effectLst>
-        </a:effectStyle>
-        <a:effectStyle>
-          <a:effectLst>
-            <a:outerShdw blurRad="40000" dist="23000" dir="5400000" rotWithShape="0">
-              <a:srgbClr val="000000">
-                <a:alpha val="35000"/>
-              </a:srgbClr>
-            </a:outerShdw>
-          </a:effectLst>
-        </a:effectStyle>
-        <a:effectStyle>
-          <a:effectLst>
-            <a:outerShdw blurRad="40000" dist="23000" dir="5400000" rotWithShape="0">
-              <a:srgbClr val="000000">
-                <a:alpha val="35000"/>
-              </a:srgbClr>
-            </a:outerShdw>
-          </a:effectLst>
-          <a:scene3d>
-            <a:camera prst="orthographicFront">
-              <a:rot lat="0" lon="0" rev="0"/>
-            </a:camera>
-            <a:lightRig rig="threePt" dir="t">
-              <a:rot lat="0" lon="0" rev="1200000"/>
-            </a:lightRig>
-          </a:scene3d>
-          <a:sp3d>
-            <a:bevelT w="63500" h="25400"/>
-          </a:sp3d>
-        </a:effectStyle>
-      </a:effectStyleLst>
-      <a:bgFillStyleLst>
-        <a:solidFill>
-          <a:schemeClr val="phClr"/>
-        </a:solidFill>
-        <a:gradFill rotWithShape="1">
-          <a:gsLst>
-            <a:gs pos="0">
-              <a:schemeClr val="phClr">
-                <a:tint val="40000"/>
-                <a:satMod val="350000"/>
-              </a:schemeClr>
-            </a:gs>
-            <a:gs pos="40000">
-              <a:schemeClr val="phClr">
-                <a:tint val="45000"/>
-                <a:shade val="99000"/>
-                <a:satMod val="350000"/>
-              </a:schemeClr>
-            </a:gs>
-            <a:gs pos="100000">
-              <a:schemeClr val="phClr">
-                <a:shade val="20000"/>
-                <a:satMod val="255000"/>
-              </a:schemeClr>
-            </a:gs>
-          </a:gsLst>
-          <a:path path="circle">
-            <a:fillToRect l="50000" t="-80000" r="50000" b="180000"/>
-          </a:path>
-        </a:gradFill>
-        <a:gradFill rotWithShape="1">
-          <a:gsLst>
-            <a:gs pos="0">
-              <a:schemeClr val="phClr">
-                <a:tint val="80000"/>
-                <a:satMod val="300000"/>
-              </a:schemeClr>
-            </a:gs>
-            <a:gs pos="100000">
-              <a:schemeClr val="phClr">
-                <a:shade val="30000"/>
-                <a:satMod val="200000"/>
-              </a:schemeClr>
-            </a:gs>
-          </a:gsLst>
-          <a:path path="circle">
-            <a:fillToRect l="50000" t="50000" r="50000" b="50000"/>
-          </a:path>
-        </a:gradFill>
-      </a:bgFillStyleLst>
-    </a:fmtScheme>
-  </a:themeElements>
-</a:theme>
 </file>